--- a/1821121_shimaoka_sotsuken_507.pptx
+++ b/1821121_shimaoka_sotsuken_507.pptx
@@ -2,23 +2,26 @@
 <file path=ppt/presentation.xml><?xml version="1.0" encoding="utf-8"?>
 <p:presentation xmlns:a="http://schemas.openxmlformats.org/drawingml/2006/main" xmlns:r="http://schemas.openxmlformats.org/officeDocument/2006/relationships" xmlns:p="http://schemas.openxmlformats.org/presentationml/2006/main" saveSubsetFonts="1">
   <p:sldMasterIdLst>
-    <p:sldMasterId id="2147483648" r:id="rId1"/>
+    <p:sldMasterId id="2147483684" r:id="rId1"/>
   </p:sldMasterIdLst>
   <p:sldIdLst>
     <p:sldId id="257" r:id="rId2"/>
     <p:sldId id="258" r:id="rId3"/>
     <p:sldId id="259" r:id="rId4"/>
     <p:sldId id="260" r:id="rId5"/>
-    <p:sldId id="261" r:id="rId6"/>
+    <p:sldId id="262" r:id="rId6"/>
+    <p:sldId id="264" r:id="rId7"/>
+    <p:sldId id="265" r:id="rId8"/>
+    <p:sldId id="261" r:id="rId9"/>
   </p:sldIdLst>
-  <p:sldSz cx="12192000" cy="6858000"/>
+  <p:sldSz cx="9144000" cy="6858000" type="screen4x3"/>
   <p:notesSz cx="6858000" cy="9144000"/>
   <p:defaultTextStyle>
     <a:defPPr>
-      <a:defRPr lang="ja-JP"/>
+      <a:defRPr lang="en-US"/>
     </a:defPPr>
-    <a:lvl1pPr marL="0" algn="l" defTabSz="914400" rtl="0" eaLnBrk="1" latinLnBrk="0" hangingPunct="1">
-      <a:defRPr kumimoji="1" sz="1800" kern="1200">
+    <a:lvl1pPr marL="0" algn="l" defTabSz="457200" rtl="0" eaLnBrk="1" latinLnBrk="0" hangingPunct="1">
+      <a:defRPr sz="1800" kern="1200">
         <a:solidFill>
           <a:schemeClr val="tx1"/>
         </a:solidFill>
@@ -27,8 +30,8 @@
         <a:cs typeface="+mn-cs"/>
       </a:defRPr>
     </a:lvl1pPr>
-    <a:lvl2pPr marL="457200" algn="l" defTabSz="914400" rtl="0" eaLnBrk="1" latinLnBrk="0" hangingPunct="1">
-      <a:defRPr kumimoji="1" sz="1800" kern="1200">
+    <a:lvl2pPr marL="457200" algn="l" defTabSz="457200" rtl="0" eaLnBrk="1" latinLnBrk="0" hangingPunct="1">
+      <a:defRPr sz="1800" kern="1200">
         <a:solidFill>
           <a:schemeClr val="tx1"/>
         </a:solidFill>
@@ -37,8 +40,8 @@
         <a:cs typeface="+mn-cs"/>
       </a:defRPr>
     </a:lvl2pPr>
-    <a:lvl3pPr marL="914400" algn="l" defTabSz="914400" rtl="0" eaLnBrk="1" latinLnBrk="0" hangingPunct="1">
-      <a:defRPr kumimoji="1" sz="1800" kern="1200">
+    <a:lvl3pPr marL="914400" algn="l" defTabSz="457200" rtl="0" eaLnBrk="1" latinLnBrk="0" hangingPunct="1">
+      <a:defRPr sz="1800" kern="1200">
         <a:solidFill>
           <a:schemeClr val="tx1"/>
         </a:solidFill>
@@ -47,8 +50,8 @@
         <a:cs typeface="+mn-cs"/>
       </a:defRPr>
     </a:lvl3pPr>
-    <a:lvl4pPr marL="1371600" algn="l" defTabSz="914400" rtl="0" eaLnBrk="1" latinLnBrk="0" hangingPunct="1">
-      <a:defRPr kumimoji="1" sz="1800" kern="1200">
+    <a:lvl4pPr marL="1371600" algn="l" defTabSz="457200" rtl="0" eaLnBrk="1" latinLnBrk="0" hangingPunct="1">
+      <a:defRPr sz="1800" kern="1200">
         <a:solidFill>
           <a:schemeClr val="tx1"/>
         </a:solidFill>
@@ -57,8 +60,8 @@
         <a:cs typeface="+mn-cs"/>
       </a:defRPr>
     </a:lvl4pPr>
-    <a:lvl5pPr marL="1828800" algn="l" defTabSz="914400" rtl="0" eaLnBrk="1" latinLnBrk="0" hangingPunct="1">
-      <a:defRPr kumimoji="1" sz="1800" kern="1200">
+    <a:lvl5pPr marL="1828800" algn="l" defTabSz="457200" rtl="0" eaLnBrk="1" latinLnBrk="0" hangingPunct="1">
+      <a:defRPr sz="1800" kern="1200">
         <a:solidFill>
           <a:schemeClr val="tx1"/>
         </a:solidFill>
@@ -67,8 +70,8 @@
         <a:cs typeface="+mn-cs"/>
       </a:defRPr>
     </a:lvl5pPr>
-    <a:lvl6pPr marL="2286000" algn="l" defTabSz="914400" rtl="0" eaLnBrk="1" latinLnBrk="0" hangingPunct="1">
-      <a:defRPr kumimoji="1" sz="1800" kern="1200">
+    <a:lvl6pPr marL="2286000" algn="l" defTabSz="457200" rtl="0" eaLnBrk="1" latinLnBrk="0" hangingPunct="1">
+      <a:defRPr sz="1800" kern="1200">
         <a:solidFill>
           <a:schemeClr val="tx1"/>
         </a:solidFill>
@@ -77,8 +80,8 @@
         <a:cs typeface="+mn-cs"/>
       </a:defRPr>
     </a:lvl6pPr>
-    <a:lvl7pPr marL="2743200" algn="l" defTabSz="914400" rtl="0" eaLnBrk="1" latinLnBrk="0" hangingPunct="1">
-      <a:defRPr kumimoji="1" sz="1800" kern="1200">
+    <a:lvl7pPr marL="2743200" algn="l" defTabSz="457200" rtl="0" eaLnBrk="1" latinLnBrk="0" hangingPunct="1">
+      <a:defRPr sz="1800" kern="1200">
         <a:solidFill>
           <a:schemeClr val="tx1"/>
         </a:solidFill>
@@ -87,8 +90,8 @@
         <a:cs typeface="+mn-cs"/>
       </a:defRPr>
     </a:lvl7pPr>
-    <a:lvl8pPr marL="3200400" algn="l" defTabSz="914400" rtl="0" eaLnBrk="1" latinLnBrk="0" hangingPunct="1">
-      <a:defRPr kumimoji="1" sz="1800" kern="1200">
+    <a:lvl8pPr marL="3200400" algn="l" defTabSz="457200" rtl="0" eaLnBrk="1" latinLnBrk="0" hangingPunct="1">
+      <a:defRPr sz="1800" kern="1200">
         <a:solidFill>
           <a:schemeClr val="tx1"/>
         </a:solidFill>
@@ -97,8 +100,8 @@
         <a:cs typeface="+mn-cs"/>
       </a:defRPr>
     </a:lvl8pPr>
-    <a:lvl9pPr marL="3657600" algn="l" defTabSz="914400" rtl="0" eaLnBrk="1" latinLnBrk="0" hangingPunct="1">
-      <a:defRPr kumimoji="1" sz="1800" kern="1200">
+    <a:lvl9pPr marL="3657600" algn="l" defTabSz="457200" rtl="0" eaLnBrk="1" latinLnBrk="0" hangingPunct="1">
+      <a:defRPr sz="1800" kern="1200">
         <a:solidFill>
           <a:schemeClr val="tx1"/>
         </a:solidFill>
@@ -108,6 +111,11 @@
       </a:defRPr>
     </a:lvl9pPr>
   </p:defaultTextStyle>
+  <p:extLst>
+    <p:ext uri="{EFAFB233-063F-42B5-8137-9DF3F51BA10A}">
+      <p15:sldGuideLst xmlns:p15="http://schemas.microsoft.com/office/powerpoint/2012/main"/>
+    </p:ext>
+  </p:extLst>
 </p:presentation>
 </file>
 
@@ -130,7 +138,7 @@
       </p:grpSpPr>
       <p:sp>
         <p:nvSpPr>
-          <p:cNvPr id="2" name="タイトル 1"/>
+          <p:cNvPr id="2" name="Title 1"/>
           <p:cNvSpPr>
             <a:spLocks noGrp="1"/>
           </p:cNvSpPr>
@@ -140,8 +148,8 @@
         </p:nvSpPr>
         <p:spPr>
           <a:xfrm>
-            <a:off x="1524000" y="1122363"/>
-            <a:ext cx="9144000" cy="2387600"/>
+            <a:off x="685800" y="1122363"/>
+            <a:ext cx="7772400" cy="2387600"/>
           </a:xfrm>
         </p:spPr>
         <p:txBody>
@@ -153,16 +161,16 @@
           </a:lstStyle>
           <a:p>
             <a:r>
-              <a:rPr kumimoji="1" lang="ja-JP" altLang="en-US" smtClean="0"/>
+              <a:rPr lang="ja-JP" altLang="en-US" smtClean="0"/>
               <a:t>マスター タイトルの書式設定</a:t>
             </a:r>
-            <a:endParaRPr kumimoji="1" lang="ja-JP" altLang="en-US"/>
-          </a:p>
-        </p:txBody>
-      </p:sp>
-      <p:sp>
-        <p:nvSpPr>
-          <p:cNvPr id="3" name="サブタイトル 2"/>
+            <a:endParaRPr lang="en-US" dirty="0"/>
+          </a:p>
+        </p:txBody>
+      </p:sp>
+      <p:sp>
+        <p:nvSpPr>
+          <p:cNvPr id="3" name="Subtitle 2"/>
           <p:cNvSpPr>
             <a:spLocks noGrp="1"/>
           </p:cNvSpPr>
@@ -172,8 +180,8 @@
         </p:nvSpPr>
         <p:spPr>
           <a:xfrm>
-            <a:off x="1524000" y="3602038"/>
-            <a:ext cx="9144000" cy="1655762"/>
+            <a:off x="1143000" y="3602038"/>
+            <a:ext cx="6858000" cy="1655762"/>
           </a:xfrm>
         </p:spPr>
         <p:txBody>
@@ -218,16 +226,16 @@
           </a:lstStyle>
           <a:p>
             <a:r>
-              <a:rPr kumimoji="1" lang="ja-JP" altLang="en-US" smtClean="0"/>
+              <a:rPr lang="ja-JP" altLang="en-US" smtClean="0"/>
               <a:t>マスター サブタイトルの書式設定</a:t>
             </a:r>
-            <a:endParaRPr kumimoji="1" lang="ja-JP" altLang="en-US"/>
-          </a:p>
-        </p:txBody>
-      </p:sp>
-      <p:sp>
-        <p:nvSpPr>
-          <p:cNvPr id="4" name="日付プレースホルダー 3"/>
+            <a:endParaRPr lang="en-US" dirty="0"/>
+          </a:p>
+        </p:txBody>
+      </p:sp>
+      <p:sp>
+        <p:nvSpPr>
+          <p:cNvPr id="4" name="Date Placeholder 3"/>
           <p:cNvSpPr>
             <a:spLocks noGrp="1"/>
           </p:cNvSpPr>
@@ -250,7 +258,7 @@
       </p:sp>
       <p:sp>
         <p:nvSpPr>
-          <p:cNvPr id="5" name="フッター プレースホルダー 4"/>
+          <p:cNvPr id="5" name="Footer Placeholder 4"/>
           <p:cNvSpPr>
             <a:spLocks noGrp="1"/>
           </p:cNvSpPr>
@@ -269,7 +277,7 @@
       </p:sp>
       <p:sp>
         <p:nvSpPr>
-          <p:cNvPr id="6" name="スライド番号プレースホルダー 5"/>
+          <p:cNvPr id="6" name="Slide Number Placeholder 5"/>
           <p:cNvSpPr>
             <a:spLocks noGrp="1"/>
           </p:cNvSpPr>
@@ -293,7 +301,7 @@
     </p:spTree>
     <p:extLst>
       <p:ext uri="{BB962C8B-B14F-4D97-AF65-F5344CB8AC3E}">
-        <p14:creationId xmlns:p14="http://schemas.microsoft.com/office/powerpoint/2010/main" val="1028596308"/>
+        <p14:creationId xmlns:p14="http://schemas.microsoft.com/office/powerpoint/2010/main" val="3117889199"/>
       </p:ext>
     </p:extLst>
   </p:cSld>
@@ -322,7 +330,7 @@
       </p:grpSpPr>
       <p:sp>
         <p:nvSpPr>
-          <p:cNvPr id="2" name="タイトル 1"/>
+          <p:cNvPr id="2" name="Title 1"/>
           <p:cNvSpPr>
             <a:spLocks noGrp="1"/>
           </p:cNvSpPr>
@@ -336,16 +344,16 @@
           <a:lstStyle/>
           <a:p>
             <a:r>
-              <a:rPr kumimoji="1" lang="ja-JP" altLang="en-US" smtClean="0"/>
+              <a:rPr lang="ja-JP" altLang="en-US" smtClean="0"/>
               <a:t>マスター タイトルの書式設定</a:t>
             </a:r>
-            <a:endParaRPr kumimoji="1" lang="ja-JP" altLang="en-US"/>
-          </a:p>
-        </p:txBody>
-      </p:sp>
-      <p:sp>
-        <p:nvSpPr>
-          <p:cNvPr id="3" name="縦書きテキスト プレースホルダー 2"/>
+            <a:endParaRPr lang="en-US" dirty="0"/>
+          </a:p>
+        </p:txBody>
+      </p:sp>
+      <p:sp>
+        <p:nvSpPr>
+          <p:cNvPr id="3" name="Vertical Text Placeholder 2"/>
           <p:cNvSpPr>
             <a:spLocks noGrp="1"/>
           </p:cNvSpPr>
@@ -360,76 +368,76 @@
           <a:p>
             <a:pPr lvl="0"/>
             <a:r>
-              <a:rPr kumimoji="1" lang="ja-JP" altLang="en-US" smtClean="0"/>
+              <a:rPr lang="ja-JP" altLang="en-US" smtClean="0"/>
               <a:t>マスター テキストの書式設定</a:t>
             </a:r>
           </a:p>
           <a:p>
             <a:pPr lvl="1"/>
             <a:r>
-              <a:rPr kumimoji="1" lang="ja-JP" altLang="en-US" smtClean="0"/>
+              <a:rPr lang="ja-JP" altLang="en-US" smtClean="0"/>
               <a:t>第 </a:t>
             </a:r>
             <a:r>
-              <a:rPr kumimoji="1" lang="en-US" altLang="ja-JP" smtClean="0"/>
+              <a:rPr lang="en-US" altLang="ja-JP" smtClean="0"/>
               <a:t>2 </a:t>
             </a:r>
             <a:r>
-              <a:rPr kumimoji="1" lang="ja-JP" altLang="en-US" smtClean="0"/>
+              <a:rPr lang="ja-JP" altLang="en-US" smtClean="0"/>
               <a:t>レベル</a:t>
             </a:r>
           </a:p>
           <a:p>
             <a:pPr lvl="2"/>
             <a:r>
-              <a:rPr kumimoji="1" lang="ja-JP" altLang="en-US" smtClean="0"/>
+              <a:rPr lang="ja-JP" altLang="en-US" smtClean="0"/>
               <a:t>第 </a:t>
             </a:r>
             <a:r>
-              <a:rPr kumimoji="1" lang="en-US" altLang="ja-JP" smtClean="0"/>
+              <a:rPr lang="en-US" altLang="ja-JP" smtClean="0"/>
               <a:t>3 </a:t>
             </a:r>
             <a:r>
-              <a:rPr kumimoji="1" lang="ja-JP" altLang="en-US" smtClean="0"/>
+              <a:rPr lang="ja-JP" altLang="en-US" smtClean="0"/>
               <a:t>レベル</a:t>
             </a:r>
           </a:p>
           <a:p>
             <a:pPr lvl="3"/>
             <a:r>
-              <a:rPr kumimoji="1" lang="ja-JP" altLang="en-US" smtClean="0"/>
+              <a:rPr lang="ja-JP" altLang="en-US" smtClean="0"/>
               <a:t>第 </a:t>
             </a:r>
             <a:r>
-              <a:rPr kumimoji="1" lang="en-US" altLang="ja-JP" smtClean="0"/>
+              <a:rPr lang="en-US" altLang="ja-JP" smtClean="0"/>
               <a:t>4 </a:t>
             </a:r>
             <a:r>
-              <a:rPr kumimoji="1" lang="ja-JP" altLang="en-US" smtClean="0"/>
+              <a:rPr lang="ja-JP" altLang="en-US" smtClean="0"/>
               <a:t>レベル</a:t>
             </a:r>
           </a:p>
           <a:p>
             <a:pPr lvl="4"/>
             <a:r>
-              <a:rPr kumimoji="1" lang="ja-JP" altLang="en-US" smtClean="0"/>
+              <a:rPr lang="ja-JP" altLang="en-US" smtClean="0"/>
               <a:t>第 </a:t>
             </a:r>
             <a:r>
-              <a:rPr kumimoji="1" lang="en-US" altLang="ja-JP" smtClean="0"/>
+              <a:rPr lang="en-US" altLang="ja-JP" smtClean="0"/>
               <a:t>5 </a:t>
             </a:r>
             <a:r>
-              <a:rPr kumimoji="1" lang="ja-JP" altLang="en-US" smtClean="0"/>
+              <a:rPr lang="ja-JP" altLang="en-US" smtClean="0"/>
               <a:t>レベル</a:t>
             </a:r>
-            <a:endParaRPr kumimoji="1" lang="ja-JP" altLang="en-US"/>
-          </a:p>
-        </p:txBody>
-      </p:sp>
-      <p:sp>
-        <p:nvSpPr>
-          <p:cNvPr id="4" name="日付プレースホルダー 3"/>
+            <a:endParaRPr lang="en-US" dirty="0"/>
+          </a:p>
+        </p:txBody>
+      </p:sp>
+      <p:sp>
+        <p:nvSpPr>
+          <p:cNvPr id="4" name="Date Placeholder 3"/>
           <p:cNvSpPr>
             <a:spLocks noGrp="1"/>
           </p:cNvSpPr>
@@ -452,7 +460,7 @@
       </p:sp>
       <p:sp>
         <p:nvSpPr>
-          <p:cNvPr id="5" name="フッター プレースホルダー 4"/>
+          <p:cNvPr id="5" name="Footer Placeholder 4"/>
           <p:cNvSpPr>
             <a:spLocks noGrp="1"/>
           </p:cNvSpPr>
@@ -471,7 +479,7 @@
       </p:sp>
       <p:sp>
         <p:nvSpPr>
-          <p:cNvPr id="6" name="スライド番号プレースホルダー 5"/>
+          <p:cNvPr id="6" name="Slide Number Placeholder 5"/>
           <p:cNvSpPr>
             <a:spLocks noGrp="1"/>
           </p:cNvSpPr>
@@ -495,7 +503,7 @@
     </p:spTree>
     <p:extLst>
       <p:ext uri="{BB962C8B-B14F-4D97-AF65-F5344CB8AC3E}">
-        <p14:creationId xmlns:p14="http://schemas.microsoft.com/office/powerpoint/2010/main" val="2195994365"/>
+        <p14:creationId xmlns:p14="http://schemas.microsoft.com/office/powerpoint/2010/main" val="932460525"/>
       </p:ext>
     </p:extLst>
   </p:cSld>
@@ -524,7 +532,7 @@
       </p:grpSpPr>
       <p:sp>
         <p:nvSpPr>
-          <p:cNvPr id="2" name="縦書きタイトル 1"/>
+          <p:cNvPr id="2" name="Vertical Title 1"/>
           <p:cNvSpPr>
             <a:spLocks noGrp="1"/>
           </p:cNvSpPr>
@@ -534,8 +542,8 @@
         </p:nvSpPr>
         <p:spPr>
           <a:xfrm>
-            <a:off x="8724900" y="365125"/>
-            <a:ext cx="2628900" cy="5811838"/>
+            <a:off x="6543676" y="365125"/>
+            <a:ext cx="1971675" cy="5811838"/>
           </a:xfrm>
         </p:spPr>
         <p:txBody>
@@ -543,16 +551,16 @@
           <a:lstStyle/>
           <a:p>
             <a:r>
-              <a:rPr kumimoji="1" lang="ja-JP" altLang="en-US" smtClean="0"/>
+              <a:rPr lang="ja-JP" altLang="en-US" smtClean="0"/>
               <a:t>マスター タイトルの書式設定</a:t>
             </a:r>
-            <a:endParaRPr kumimoji="1" lang="ja-JP" altLang="en-US"/>
-          </a:p>
-        </p:txBody>
-      </p:sp>
-      <p:sp>
-        <p:nvSpPr>
-          <p:cNvPr id="3" name="縦書きテキスト プレースホルダー 2"/>
+            <a:endParaRPr lang="en-US" dirty="0"/>
+          </a:p>
+        </p:txBody>
+      </p:sp>
+      <p:sp>
+        <p:nvSpPr>
+          <p:cNvPr id="3" name="Vertical Text Placeholder 2"/>
           <p:cNvSpPr>
             <a:spLocks noGrp="1"/>
           </p:cNvSpPr>
@@ -562,8 +570,8 @@
         </p:nvSpPr>
         <p:spPr>
           <a:xfrm>
-            <a:off x="838200" y="365125"/>
-            <a:ext cx="7734300" cy="5811838"/>
+            <a:off x="628651" y="365125"/>
+            <a:ext cx="5800725" cy="5811838"/>
           </a:xfrm>
         </p:spPr>
         <p:txBody>
@@ -572,76 +580,76 @@
           <a:p>
             <a:pPr lvl="0"/>
             <a:r>
-              <a:rPr kumimoji="1" lang="ja-JP" altLang="en-US" smtClean="0"/>
+              <a:rPr lang="ja-JP" altLang="en-US" smtClean="0"/>
               <a:t>マスター テキストの書式設定</a:t>
             </a:r>
           </a:p>
           <a:p>
             <a:pPr lvl="1"/>
             <a:r>
-              <a:rPr kumimoji="1" lang="ja-JP" altLang="en-US" smtClean="0"/>
+              <a:rPr lang="ja-JP" altLang="en-US" smtClean="0"/>
               <a:t>第 </a:t>
             </a:r>
             <a:r>
-              <a:rPr kumimoji="1" lang="en-US" altLang="ja-JP" smtClean="0"/>
+              <a:rPr lang="en-US" altLang="ja-JP" smtClean="0"/>
               <a:t>2 </a:t>
             </a:r>
             <a:r>
-              <a:rPr kumimoji="1" lang="ja-JP" altLang="en-US" smtClean="0"/>
+              <a:rPr lang="ja-JP" altLang="en-US" smtClean="0"/>
               <a:t>レベル</a:t>
             </a:r>
           </a:p>
           <a:p>
             <a:pPr lvl="2"/>
             <a:r>
-              <a:rPr kumimoji="1" lang="ja-JP" altLang="en-US" smtClean="0"/>
+              <a:rPr lang="ja-JP" altLang="en-US" smtClean="0"/>
               <a:t>第 </a:t>
             </a:r>
             <a:r>
-              <a:rPr kumimoji="1" lang="en-US" altLang="ja-JP" smtClean="0"/>
+              <a:rPr lang="en-US" altLang="ja-JP" smtClean="0"/>
               <a:t>3 </a:t>
             </a:r>
             <a:r>
-              <a:rPr kumimoji="1" lang="ja-JP" altLang="en-US" smtClean="0"/>
+              <a:rPr lang="ja-JP" altLang="en-US" smtClean="0"/>
               <a:t>レベル</a:t>
             </a:r>
           </a:p>
           <a:p>
             <a:pPr lvl="3"/>
             <a:r>
-              <a:rPr kumimoji="1" lang="ja-JP" altLang="en-US" smtClean="0"/>
+              <a:rPr lang="ja-JP" altLang="en-US" smtClean="0"/>
               <a:t>第 </a:t>
             </a:r>
             <a:r>
-              <a:rPr kumimoji="1" lang="en-US" altLang="ja-JP" smtClean="0"/>
+              <a:rPr lang="en-US" altLang="ja-JP" smtClean="0"/>
               <a:t>4 </a:t>
             </a:r>
             <a:r>
-              <a:rPr kumimoji="1" lang="ja-JP" altLang="en-US" smtClean="0"/>
+              <a:rPr lang="ja-JP" altLang="en-US" smtClean="0"/>
               <a:t>レベル</a:t>
             </a:r>
           </a:p>
           <a:p>
             <a:pPr lvl="4"/>
             <a:r>
-              <a:rPr kumimoji="1" lang="ja-JP" altLang="en-US" smtClean="0"/>
+              <a:rPr lang="ja-JP" altLang="en-US" smtClean="0"/>
               <a:t>第 </a:t>
             </a:r>
             <a:r>
-              <a:rPr kumimoji="1" lang="en-US" altLang="ja-JP" smtClean="0"/>
+              <a:rPr lang="en-US" altLang="ja-JP" smtClean="0"/>
               <a:t>5 </a:t>
             </a:r>
             <a:r>
-              <a:rPr kumimoji="1" lang="ja-JP" altLang="en-US" smtClean="0"/>
+              <a:rPr lang="ja-JP" altLang="en-US" smtClean="0"/>
               <a:t>レベル</a:t>
             </a:r>
-            <a:endParaRPr kumimoji="1" lang="ja-JP" altLang="en-US"/>
-          </a:p>
-        </p:txBody>
-      </p:sp>
-      <p:sp>
-        <p:nvSpPr>
-          <p:cNvPr id="4" name="日付プレースホルダー 3"/>
+            <a:endParaRPr lang="en-US" dirty="0"/>
+          </a:p>
+        </p:txBody>
+      </p:sp>
+      <p:sp>
+        <p:nvSpPr>
+          <p:cNvPr id="4" name="Date Placeholder 3"/>
           <p:cNvSpPr>
             <a:spLocks noGrp="1"/>
           </p:cNvSpPr>
@@ -664,7 +672,7 @@
       </p:sp>
       <p:sp>
         <p:nvSpPr>
-          <p:cNvPr id="5" name="フッター プレースホルダー 4"/>
+          <p:cNvPr id="5" name="Footer Placeholder 4"/>
           <p:cNvSpPr>
             <a:spLocks noGrp="1"/>
           </p:cNvSpPr>
@@ -683,7 +691,7 @@
       </p:sp>
       <p:sp>
         <p:nvSpPr>
-          <p:cNvPr id="6" name="スライド番号プレースホルダー 5"/>
+          <p:cNvPr id="6" name="Slide Number Placeholder 5"/>
           <p:cNvSpPr>
             <a:spLocks noGrp="1"/>
           </p:cNvSpPr>
@@ -707,7 +715,7 @@
     </p:spTree>
     <p:extLst>
       <p:ext uri="{BB962C8B-B14F-4D97-AF65-F5344CB8AC3E}">
-        <p14:creationId xmlns:p14="http://schemas.microsoft.com/office/powerpoint/2010/main" val="2822451833"/>
+        <p14:creationId xmlns:p14="http://schemas.microsoft.com/office/powerpoint/2010/main" val="728484088"/>
       </p:ext>
     </p:extLst>
   </p:cSld>
@@ -736,7 +744,7 @@
       </p:grpSpPr>
       <p:sp>
         <p:nvSpPr>
-          <p:cNvPr id="2" name="タイトル 1"/>
+          <p:cNvPr id="2" name="Title 1"/>
           <p:cNvSpPr>
             <a:spLocks noGrp="1"/>
           </p:cNvSpPr>
@@ -750,16 +758,16 @@
           <a:lstStyle/>
           <a:p>
             <a:r>
-              <a:rPr kumimoji="1" lang="ja-JP" altLang="en-US" smtClean="0"/>
+              <a:rPr lang="ja-JP" altLang="en-US" smtClean="0"/>
               <a:t>マスター タイトルの書式設定</a:t>
             </a:r>
-            <a:endParaRPr kumimoji="1" lang="ja-JP" altLang="en-US"/>
-          </a:p>
-        </p:txBody>
-      </p:sp>
-      <p:sp>
-        <p:nvSpPr>
-          <p:cNvPr id="3" name="コンテンツ プレースホルダー 2"/>
+            <a:endParaRPr lang="en-US" dirty="0"/>
+          </a:p>
+        </p:txBody>
+      </p:sp>
+      <p:sp>
+        <p:nvSpPr>
+          <p:cNvPr id="3" name="Content Placeholder 2"/>
           <p:cNvSpPr>
             <a:spLocks noGrp="1"/>
           </p:cNvSpPr>
@@ -774,76 +782,76 @@
           <a:p>
             <a:pPr lvl="0"/>
             <a:r>
-              <a:rPr kumimoji="1" lang="ja-JP" altLang="en-US" smtClean="0"/>
+              <a:rPr lang="ja-JP" altLang="en-US" smtClean="0"/>
               <a:t>マスター テキストの書式設定</a:t>
             </a:r>
           </a:p>
           <a:p>
             <a:pPr lvl="1"/>
             <a:r>
-              <a:rPr kumimoji="1" lang="ja-JP" altLang="en-US" smtClean="0"/>
+              <a:rPr lang="ja-JP" altLang="en-US" smtClean="0"/>
               <a:t>第 </a:t>
             </a:r>
             <a:r>
-              <a:rPr kumimoji="1" lang="en-US" altLang="ja-JP" smtClean="0"/>
+              <a:rPr lang="en-US" altLang="ja-JP" smtClean="0"/>
               <a:t>2 </a:t>
             </a:r>
             <a:r>
-              <a:rPr kumimoji="1" lang="ja-JP" altLang="en-US" smtClean="0"/>
+              <a:rPr lang="ja-JP" altLang="en-US" smtClean="0"/>
               <a:t>レベル</a:t>
             </a:r>
           </a:p>
           <a:p>
             <a:pPr lvl="2"/>
             <a:r>
-              <a:rPr kumimoji="1" lang="ja-JP" altLang="en-US" smtClean="0"/>
+              <a:rPr lang="ja-JP" altLang="en-US" smtClean="0"/>
               <a:t>第 </a:t>
             </a:r>
             <a:r>
-              <a:rPr kumimoji="1" lang="en-US" altLang="ja-JP" smtClean="0"/>
+              <a:rPr lang="en-US" altLang="ja-JP" smtClean="0"/>
               <a:t>3 </a:t>
             </a:r>
             <a:r>
-              <a:rPr kumimoji="1" lang="ja-JP" altLang="en-US" smtClean="0"/>
+              <a:rPr lang="ja-JP" altLang="en-US" smtClean="0"/>
               <a:t>レベル</a:t>
             </a:r>
           </a:p>
           <a:p>
             <a:pPr lvl="3"/>
             <a:r>
-              <a:rPr kumimoji="1" lang="ja-JP" altLang="en-US" smtClean="0"/>
+              <a:rPr lang="ja-JP" altLang="en-US" smtClean="0"/>
               <a:t>第 </a:t>
             </a:r>
             <a:r>
-              <a:rPr kumimoji="1" lang="en-US" altLang="ja-JP" smtClean="0"/>
+              <a:rPr lang="en-US" altLang="ja-JP" smtClean="0"/>
               <a:t>4 </a:t>
             </a:r>
             <a:r>
-              <a:rPr kumimoji="1" lang="ja-JP" altLang="en-US" smtClean="0"/>
+              <a:rPr lang="ja-JP" altLang="en-US" smtClean="0"/>
               <a:t>レベル</a:t>
             </a:r>
           </a:p>
           <a:p>
             <a:pPr lvl="4"/>
             <a:r>
-              <a:rPr kumimoji="1" lang="ja-JP" altLang="en-US" smtClean="0"/>
+              <a:rPr lang="ja-JP" altLang="en-US" smtClean="0"/>
               <a:t>第 </a:t>
             </a:r>
             <a:r>
-              <a:rPr kumimoji="1" lang="en-US" altLang="ja-JP" smtClean="0"/>
+              <a:rPr lang="en-US" altLang="ja-JP" smtClean="0"/>
               <a:t>5 </a:t>
             </a:r>
             <a:r>
-              <a:rPr kumimoji="1" lang="ja-JP" altLang="en-US" smtClean="0"/>
+              <a:rPr lang="ja-JP" altLang="en-US" smtClean="0"/>
               <a:t>レベル</a:t>
             </a:r>
-            <a:endParaRPr kumimoji="1" lang="ja-JP" altLang="en-US"/>
-          </a:p>
-        </p:txBody>
-      </p:sp>
-      <p:sp>
-        <p:nvSpPr>
-          <p:cNvPr id="4" name="日付プレースホルダー 3"/>
+            <a:endParaRPr lang="en-US" dirty="0"/>
+          </a:p>
+        </p:txBody>
+      </p:sp>
+      <p:sp>
+        <p:nvSpPr>
+          <p:cNvPr id="4" name="Date Placeholder 3"/>
           <p:cNvSpPr>
             <a:spLocks noGrp="1"/>
           </p:cNvSpPr>
@@ -866,7 +874,7 @@
       </p:sp>
       <p:sp>
         <p:nvSpPr>
-          <p:cNvPr id="5" name="フッター プレースホルダー 4"/>
+          <p:cNvPr id="5" name="Footer Placeholder 4"/>
           <p:cNvSpPr>
             <a:spLocks noGrp="1"/>
           </p:cNvSpPr>
@@ -885,7 +893,7 @@
       </p:sp>
       <p:sp>
         <p:nvSpPr>
-          <p:cNvPr id="6" name="スライド番号プレースホルダー 5"/>
+          <p:cNvPr id="6" name="Slide Number Placeholder 5"/>
           <p:cNvSpPr>
             <a:spLocks noGrp="1"/>
           </p:cNvSpPr>
@@ -909,7 +917,7 @@
     </p:spTree>
     <p:extLst>
       <p:ext uri="{BB962C8B-B14F-4D97-AF65-F5344CB8AC3E}">
-        <p14:creationId xmlns:p14="http://schemas.microsoft.com/office/powerpoint/2010/main" val="836099032"/>
+        <p14:creationId xmlns:p14="http://schemas.microsoft.com/office/powerpoint/2010/main" val="4028507382"/>
       </p:ext>
     </p:extLst>
   </p:cSld>
@@ -938,7 +946,7 @@
       </p:grpSpPr>
       <p:sp>
         <p:nvSpPr>
-          <p:cNvPr id="2" name="タイトル 1"/>
+          <p:cNvPr id="2" name="Title 1"/>
           <p:cNvSpPr>
             <a:spLocks noGrp="1"/>
           </p:cNvSpPr>
@@ -948,8 +956,8 @@
         </p:nvSpPr>
         <p:spPr>
           <a:xfrm>
-            <a:off x="831850" y="1709738"/>
-            <a:ext cx="10515600" cy="2852737"/>
+            <a:off x="623888" y="1709741"/>
+            <a:ext cx="7886700" cy="2852737"/>
           </a:xfrm>
         </p:spPr>
         <p:txBody>
@@ -961,16 +969,16 @@
           </a:lstStyle>
           <a:p>
             <a:r>
-              <a:rPr kumimoji="1" lang="ja-JP" altLang="en-US" smtClean="0"/>
+              <a:rPr lang="ja-JP" altLang="en-US" smtClean="0"/>
               <a:t>マスター タイトルの書式設定</a:t>
             </a:r>
-            <a:endParaRPr kumimoji="1" lang="ja-JP" altLang="en-US"/>
-          </a:p>
-        </p:txBody>
-      </p:sp>
-      <p:sp>
-        <p:nvSpPr>
-          <p:cNvPr id="3" name="テキスト プレースホルダー 2"/>
+            <a:endParaRPr lang="en-US" dirty="0"/>
+          </a:p>
+        </p:txBody>
+      </p:sp>
+      <p:sp>
+        <p:nvSpPr>
+          <p:cNvPr id="3" name="Text Placeholder 2"/>
           <p:cNvSpPr>
             <a:spLocks noGrp="1"/>
           </p:cNvSpPr>
@@ -980,8 +988,8 @@
         </p:nvSpPr>
         <p:spPr>
           <a:xfrm>
-            <a:off x="831850" y="4589463"/>
-            <a:ext cx="10515600" cy="1500187"/>
+            <a:off x="623888" y="4589466"/>
+            <a:ext cx="7886700" cy="1500187"/>
           </a:xfrm>
         </p:spPr>
         <p:txBody>
@@ -991,9 +999,7 @@
               <a:buNone/>
               <a:defRPr sz="2400">
                 <a:solidFill>
-                  <a:schemeClr val="tx1">
-                    <a:tint val="75000"/>
-                  </a:schemeClr>
+                  <a:schemeClr val="tx1"/>
                 </a:solidFill>
               </a:defRPr>
             </a:lvl1pPr>
@@ -1081,7 +1087,7 @@
           <a:p>
             <a:pPr lvl="0"/>
             <a:r>
-              <a:rPr kumimoji="1" lang="ja-JP" altLang="en-US" smtClean="0"/>
+              <a:rPr lang="ja-JP" altLang="en-US" smtClean="0"/>
               <a:t>マスター テキストの書式設定</a:t>
             </a:r>
           </a:p>
@@ -1089,7 +1095,7 @@
       </p:sp>
       <p:sp>
         <p:nvSpPr>
-          <p:cNvPr id="4" name="日付プレースホルダー 3"/>
+          <p:cNvPr id="4" name="Date Placeholder 3"/>
           <p:cNvSpPr>
             <a:spLocks noGrp="1"/>
           </p:cNvSpPr>
@@ -1112,7 +1118,7 @@
       </p:sp>
       <p:sp>
         <p:nvSpPr>
-          <p:cNvPr id="5" name="フッター プレースホルダー 4"/>
+          <p:cNvPr id="5" name="Footer Placeholder 4"/>
           <p:cNvSpPr>
             <a:spLocks noGrp="1"/>
           </p:cNvSpPr>
@@ -1131,7 +1137,7 @@
       </p:sp>
       <p:sp>
         <p:nvSpPr>
-          <p:cNvPr id="6" name="スライド番号プレースホルダー 5"/>
+          <p:cNvPr id="6" name="Slide Number Placeholder 5"/>
           <p:cNvSpPr>
             <a:spLocks noGrp="1"/>
           </p:cNvSpPr>
@@ -1155,7 +1161,7 @@
     </p:spTree>
     <p:extLst>
       <p:ext uri="{BB962C8B-B14F-4D97-AF65-F5344CB8AC3E}">
-        <p14:creationId xmlns:p14="http://schemas.microsoft.com/office/powerpoint/2010/main" val="4261383048"/>
+        <p14:creationId xmlns:p14="http://schemas.microsoft.com/office/powerpoint/2010/main" val="3801544979"/>
       </p:ext>
     </p:extLst>
   </p:cSld>
@@ -1184,7 +1190,7 @@
       </p:grpSpPr>
       <p:sp>
         <p:nvSpPr>
-          <p:cNvPr id="2" name="タイトル 1"/>
+          <p:cNvPr id="2" name="Title 1"/>
           <p:cNvSpPr>
             <a:spLocks noGrp="1"/>
           </p:cNvSpPr>
@@ -1198,16 +1204,16 @@
           <a:lstStyle/>
           <a:p>
             <a:r>
-              <a:rPr kumimoji="1" lang="ja-JP" altLang="en-US" smtClean="0"/>
+              <a:rPr lang="ja-JP" altLang="en-US" smtClean="0"/>
               <a:t>マスター タイトルの書式設定</a:t>
             </a:r>
-            <a:endParaRPr kumimoji="1" lang="ja-JP" altLang="en-US"/>
-          </a:p>
-        </p:txBody>
-      </p:sp>
-      <p:sp>
-        <p:nvSpPr>
-          <p:cNvPr id="3" name="コンテンツ プレースホルダー 2"/>
+            <a:endParaRPr lang="en-US" dirty="0"/>
+          </a:p>
+        </p:txBody>
+      </p:sp>
+      <p:sp>
+        <p:nvSpPr>
+          <p:cNvPr id="3" name="Content Placeholder 2"/>
           <p:cNvSpPr>
             <a:spLocks noGrp="1"/>
           </p:cNvSpPr>
@@ -1217,8 +1223,8 @@
         </p:nvSpPr>
         <p:spPr>
           <a:xfrm>
-            <a:off x="838200" y="1825625"/>
-            <a:ext cx="5181600" cy="4351338"/>
+            <a:off x="628650" y="1825625"/>
+            <a:ext cx="3886200" cy="4351338"/>
           </a:xfrm>
         </p:spPr>
         <p:txBody>
@@ -1227,76 +1233,76 @@
           <a:p>
             <a:pPr lvl="0"/>
             <a:r>
-              <a:rPr kumimoji="1" lang="ja-JP" altLang="en-US" smtClean="0"/>
+              <a:rPr lang="ja-JP" altLang="en-US" smtClean="0"/>
               <a:t>マスター テキストの書式設定</a:t>
             </a:r>
           </a:p>
           <a:p>
             <a:pPr lvl="1"/>
             <a:r>
-              <a:rPr kumimoji="1" lang="ja-JP" altLang="en-US" smtClean="0"/>
+              <a:rPr lang="ja-JP" altLang="en-US" smtClean="0"/>
               <a:t>第 </a:t>
             </a:r>
             <a:r>
-              <a:rPr kumimoji="1" lang="en-US" altLang="ja-JP" smtClean="0"/>
+              <a:rPr lang="en-US" altLang="ja-JP" smtClean="0"/>
               <a:t>2 </a:t>
             </a:r>
             <a:r>
-              <a:rPr kumimoji="1" lang="ja-JP" altLang="en-US" smtClean="0"/>
+              <a:rPr lang="ja-JP" altLang="en-US" smtClean="0"/>
               <a:t>レベル</a:t>
             </a:r>
           </a:p>
           <a:p>
             <a:pPr lvl="2"/>
             <a:r>
-              <a:rPr kumimoji="1" lang="ja-JP" altLang="en-US" smtClean="0"/>
+              <a:rPr lang="ja-JP" altLang="en-US" smtClean="0"/>
               <a:t>第 </a:t>
             </a:r>
             <a:r>
-              <a:rPr kumimoji="1" lang="en-US" altLang="ja-JP" smtClean="0"/>
+              <a:rPr lang="en-US" altLang="ja-JP" smtClean="0"/>
               <a:t>3 </a:t>
             </a:r>
             <a:r>
-              <a:rPr kumimoji="1" lang="ja-JP" altLang="en-US" smtClean="0"/>
+              <a:rPr lang="ja-JP" altLang="en-US" smtClean="0"/>
               <a:t>レベル</a:t>
             </a:r>
           </a:p>
           <a:p>
             <a:pPr lvl="3"/>
             <a:r>
-              <a:rPr kumimoji="1" lang="ja-JP" altLang="en-US" smtClean="0"/>
+              <a:rPr lang="ja-JP" altLang="en-US" smtClean="0"/>
               <a:t>第 </a:t>
             </a:r>
             <a:r>
-              <a:rPr kumimoji="1" lang="en-US" altLang="ja-JP" smtClean="0"/>
+              <a:rPr lang="en-US" altLang="ja-JP" smtClean="0"/>
               <a:t>4 </a:t>
             </a:r>
             <a:r>
-              <a:rPr kumimoji="1" lang="ja-JP" altLang="en-US" smtClean="0"/>
+              <a:rPr lang="ja-JP" altLang="en-US" smtClean="0"/>
               <a:t>レベル</a:t>
             </a:r>
           </a:p>
           <a:p>
             <a:pPr lvl="4"/>
             <a:r>
-              <a:rPr kumimoji="1" lang="ja-JP" altLang="en-US" smtClean="0"/>
+              <a:rPr lang="ja-JP" altLang="en-US" smtClean="0"/>
               <a:t>第 </a:t>
             </a:r>
             <a:r>
-              <a:rPr kumimoji="1" lang="en-US" altLang="ja-JP" smtClean="0"/>
+              <a:rPr lang="en-US" altLang="ja-JP" smtClean="0"/>
               <a:t>5 </a:t>
             </a:r>
             <a:r>
-              <a:rPr kumimoji="1" lang="ja-JP" altLang="en-US" smtClean="0"/>
+              <a:rPr lang="ja-JP" altLang="en-US" smtClean="0"/>
               <a:t>レベル</a:t>
             </a:r>
-            <a:endParaRPr kumimoji="1" lang="ja-JP" altLang="en-US"/>
-          </a:p>
-        </p:txBody>
-      </p:sp>
-      <p:sp>
-        <p:nvSpPr>
-          <p:cNvPr id="4" name="コンテンツ プレースホルダー 3"/>
+            <a:endParaRPr lang="en-US" dirty="0"/>
+          </a:p>
+        </p:txBody>
+      </p:sp>
+      <p:sp>
+        <p:nvSpPr>
+          <p:cNvPr id="4" name="Content Placeholder 3"/>
           <p:cNvSpPr>
             <a:spLocks noGrp="1"/>
           </p:cNvSpPr>
@@ -1306,8 +1312,8 @@
         </p:nvSpPr>
         <p:spPr>
           <a:xfrm>
-            <a:off x="6172200" y="1825625"/>
-            <a:ext cx="5181600" cy="4351338"/>
+            <a:off x="4629150" y="1825625"/>
+            <a:ext cx="3886200" cy="4351338"/>
           </a:xfrm>
         </p:spPr>
         <p:txBody>
@@ -1316,76 +1322,76 @@
           <a:p>
             <a:pPr lvl="0"/>
             <a:r>
-              <a:rPr kumimoji="1" lang="ja-JP" altLang="en-US" smtClean="0"/>
+              <a:rPr lang="ja-JP" altLang="en-US" smtClean="0"/>
               <a:t>マスター テキストの書式設定</a:t>
             </a:r>
           </a:p>
           <a:p>
             <a:pPr lvl="1"/>
             <a:r>
-              <a:rPr kumimoji="1" lang="ja-JP" altLang="en-US" smtClean="0"/>
+              <a:rPr lang="ja-JP" altLang="en-US" smtClean="0"/>
               <a:t>第 </a:t>
             </a:r>
             <a:r>
-              <a:rPr kumimoji="1" lang="en-US" altLang="ja-JP" smtClean="0"/>
+              <a:rPr lang="en-US" altLang="ja-JP" smtClean="0"/>
               <a:t>2 </a:t>
             </a:r>
             <a:r>
-              <a:rPr kumimoji="1" lang="ja-JP" altLang="en-US" smtClean="0"/>
+              <a:rPr lang="ja-JP" altLang="en-US" smtClean="0"/>
               <a:t>レベル</a:t>
             </a:r>
           </a:p>
           <a:p>
             <a:pPr lvl="2"/>
             <a:r>
-              <a:rPr kumimoji="1" lang="ja-JP" altLang="en-US" smtClean="0"/>
+              <a:rPr lang="ja-JP" altLang="en-US" smtClean="0"/>
               <a:t>第 </a:t>
             </a:r>
             <a:r>
-              <a:rPr kumimoji="1" lang="en-US" altLang="ja-JP" smtClean="0"/>
+              <a:rPr lang="en-US" altLang="ja-JP" smtClean="0"/>
               <a:t>3 </a:t>
             </a:r>
             <a:r>
-              <a:rPr kumimoji="1" lang="ja-JP" altLang="en-US" smtClean="0"/>
+              <a:rPr lang="ja-JP" altLang="en-US" smtClean="0"/>
               <a:t>レベル</a:t>
             </a:r>
           </a:p>
           <a:p>
             <a:pPr lvl="3"/>
             <a:r>
-              <a:rPr kumimoji="1" lang="ja-JP" altLang="en-US" smtClean="0"/>
+              <a:rPr lang="ja-JP" altLang="en-US" smtClean="0"/>
               <a:t>第 </a:t>
             </a:r>
             <a:r>
-              <a:rPr kumimoji="1" lang="en-US" altLang="ja-JP" smtClean="0"/>
+              <a:rPr lang="en-US" altLang="ja-JP" smtClean="0"/>
               <a:t>4 </a:t>
             </a:r>
             <a:r>
-              <a:rPr kumimoji="1" lang="ja-JP" altLang="en-US" smtClean="0"/>
+              <a:rPr lang="ja-JP" altLang="en-US" smtClean="0"/>
               <a:t>レベル</a:t>
             </a:r>
           </a:p>
           <a:p>
             <a:pPr lvl="4"/>
             <a:r>
-              <a:rPr kumimoji="1" lang="ja-JP" altLang="en-US" smtClean="0"/>
+              <a:rPr lang="ja-JP" altLang="en-US" smtClean="0"/>
               <a:t>第 </a:t>
             </a:r>
             <a:r>
-              <a:rPr kumimoji="1" lang="en-US" altLang="ja-JP" smtClean="0"/>
+              <a:rPr lang="en-US" altLang="ja-JP" smtClean="0"/>
               <a:t>5 </a:t>
             </a:r>
             <a:r>
-              <a:rPr kumimoji="1" lang="ja-JP" altLang="en-US" smtClean="0"/>
+              <a:rPr lang="ja-JP" altLang="en-US" smtClean="0"/>
               <a:t>レベル</a:t>
             </a:r>
-            <a:endParaRPr kumimoji="1" lang="ja-JP" altLang="en-US"/>
-          </a:p>
-        </p:txBody>
-      </p:sp>
-      <p:sp>
-        <p:nvSpPr>
-          <p:cNvPr id="5" name="日付プレースホルダー 4"/>
+            <a:endParaRPr lang="en-US" dirty="0"/>
+          </a:p>
+        </p:txBody>
+      </p:sp>
+      <p:sp>
+        <p:nvSpPr>
+          <p:cNvPr id="5" name="Date Placeholder 4"/>
           <p:cNvSpPr>
             <a:spLocks noGrp="1"/>
           </p:cNvSpPr>
@@ -1408,7 +1414,7 @@
       </p:sp>
       <p:sp>
         <p:nvSpPr>
-          <p:cNvPr id="6" name="フッター プレースホルダー 5"/>
+          <p:cNvPr id="6" name="Footer Placeholder 5"/>
           <p:cNvSpPr>
             <a:spLocks noGrp="1"/>
           </p:cNvSpPr>
@@ -1427,7 +1433,7 @@
       </p:sp>
       <p:sp>
         <p:nvSpPr>
-          <p:cNvPr id="7" name="スライド番号プレースホルダー 6"/>
+          <p:cNvPr id="7" name="Slide Number Placeholder 6"/>
           <p:cNvSpPr>
             <a:spLocks noGrp="1"/>
           </p:cNvSpPr>
@@ -1451,7 +1457,7 @@
     </p:spTree>
     <p:extLst>
       <p:ext uri="{BB962C8B-B14F-4D97-AF65-F5344CB8AC3E}">
-        <p14:creationId xmlns:p14="http://schemas.microsoft.com/office/powerpoint/2010/main" val="2978468854"/>
+        <p14:creationId xmlns:p14="http://schemas.microsoft.com/office/powerpoint/2010/main" val="3872698515"/>
       </p:ext>
     </p:extLst>
   </p:cSld>
@@ -1480,7 +1486,7 @@
       </p:grpSpPr>
       <p:sp>
         <p:nvSpPr>
-          <p:cNvPr id="2" name="タイトル 1"/>
+          <p:cNvPr id="2" name="Title 1"/>
           <p:cNvSpPr>
             <a:spLocks noGrp="1"/>
           </p:cNvSpPr>
@@ -1490,8 +1496,8 @@
         </p:nvSpPr>
         <p:spPr>
           <a:xfrm>
-            <a:off x="839788" y="365125"/>
-            <a:ext cx="10515600" cy="1325563"/>
+            <a:off x="629841" y="365128"/>
+            <a:ext cx="7886700" cy="1325563"/>
           </a:xfrm>
         </p:spPr>
         <p:txBody>
@@ -1499,16 +1505,16 @@
           <a:lstStyle/>
           <a:p>
             <a:r>
-              <a:rPr kumimoji="1" lang="ja-JP" altLang="en-US" smtClean="0"/>
+              <a:rPr lang="ja-JP" altLang="en-US" smtClean="0"/>
               <a:t>マスター タイトルの書式設定</a:t>
             </a:r>
-            <a:endParaRPr kumimoji="1" lang="ja-JP" altLang="en-US"/>
-          </a:p>
-        </p:txBody>
-      </p:sp>
-      <p:sp>
-        <p:nvSpPr>
-          <p:cNvPr id="3" name="テキスト プレースホルダー 2"/>
+            <a:endParaRPr lang="en-US" dirty="0"/>
+          </a:p>
+        </p:txBody>
+      </p:sp>
+      <p:sp>
+        <p:nvSpPr>
+          <p:cNvPr id="3" name="Text Placeholder 2"/>
           <p:cNvSpPr>
             <a:spLocks noGrp="1"/>
           </p:cNvSpPr>
@@ -1518,8 +1524,8 @@
         </p:nvSpPr>
         <p:spPr>
           <a:xfrm>
-            <a:off x="839788" y="1681163"/>
-            <a:ext cx="5157787" cy="823912"/>
+            <a:off x="629842" y="1681163"/>
+            <a:ext cx="3868340" cy="823912"/>
           </a:xfrm>
         </p:spPr>
         <p:txBody>
@@ -1565,7 +1571,7 @@
           <a:p>
             <a:pPr lvl="0"/>
             <a:r>
-              <a:rPr kumimoji="1" lang="ja-JP" altLang="en-US" smtClean="0"/>
+              <a:rPr lang="ja-JP" altLang="en-US" smtClean="0"/>
               <a:t>マスター テキストの書式設定</a:t>
             </a:r>
           </a:p>
@@ -1573,7 +1579,7 @@
       </p:sp>
       <p:sp>
         <p:nvSpPr>
-          <p:cNvPr id="4" name="コンテンツ プレースホルダー 3"/>
+          <p:cNvPr id="4" name="Content Placeholder 3"/>
           <p:cNvSpPr>
             <a:spLocks noGrp="1"/>
           </p:cNvSpPr>
@@ -1583,8 +1589,8 @@
         </p:nvSpPr>
         <p:spPr>
           <a:xfrm>
-            <a:off x="839788" y="2505075"/>
-            <a:ext cx="5157787" cy="3684588"/>
+            <a:off x="629842" y="2505075"/>
+            <a:ext cx="3868340" cy="3684588"/>
           </a:xfrm>
         </p:spPr>
         <p:txBody>
@@ -1593,76 +1599,76 @@
           <a:p>
             <a:pPr lvl="0"/>
             <a:r>
-              <a:rPr kumimoji="1" lang="ja-JP" altLang="en-US" smtClean="0"/>
+              <a:rPr lang="ja-JP" altLang="en-US" smtClean="0"/>
               <a:t>マスター テキストの書式設定</a:t>
             </a:r>
           </a:p>
           <a:p>
             <a:pPr lvl="1"/>
             <a:r>
-              <a:rPr kumimoji="1" lang="ja-JP" altLang="en-US" smtClean="0"/>
+              <a:rPr lang="ja-JP" altLang="en-US" smtClean="0"/>
               <a:t>第 </a:t>
             </a:r>
             <a:r>
-              <a:rPr kumimoji="1" lang="en-US" altLang="ja-JP" smtClean="0"/>
+              <a:rPr lang="en-US" altLang="ja-JP" smtClean="0"/>
               <a:t>2 </a:t>
             </a:r>
             <a:r>
-              <a:rPr kumimoji="1" lang="ja-JP" altLang="en-US" smtClean="0"/>
+              <a:rPr lang="ja-JP" altLang="en-US" smtClean="0"/>
               <a:t>レベル</a:t>
             </a:r>
           </a:p>
           <a:p>
             <a:pPr lvl="2"/>
             <a:r>
-              <a:rPr kumimoji="1" lang="ja-JP" altLang="en-US" smtClean="0"/>
+              <a:rPr lang="ja-JP" altLang="en-US" smtClean="0"/>
               <a:t>第 </a:t>
             </a:r>
             <a:r>
-              <a:rPr kumimoji="1" lang="en-US" altLang="ja-JP" smtClean="0"/>
+              <a:rPr lang="en-US" altLang="ja-JP" smtClean="0"/>
               <a:t>3 </a:t>
             </a:r>
             <a:r>
-              <a:rPr kumimoji="1" lang="ja-JP" altLang="en-US" smtClean="0"/>
+              <a:rPr lang="ja-JP" altLang="en-US" smtClean="0"/>
               <a:t>レベル</a:t>
             </a:r>
           </a:p>
           <a:p>
             <a:pPr lvl="3"/>
             <a:r>
-              <a:rPr kumimoji="1" lang="ja-JP" altLang="en-US" smtClean="0"/>
+              <a:rPr lang="ja-JP" altLang="en-US" smtClean="0"/>
               <a:t>第 </a:t>
             </a:r>
             <a:r>
-              <a:rPr kumimoji="1" lang="en-US" altLang="ja-JP" smtClean="0"/>
+              <a:rPr lang="en-US" altLang="ja-JP" smtClean="0"/>
               <a:t>4 </a:t>
             </a:r>
             <a:r>
-              <a:rPr kumimoji="1" lang="ja-JP" altLang="en-US" smtClean="0"/>
+              <a:rPr lang="ja-JP" altLang="en-US" smtClean="0"/>
               <a:t>レベル</a:t>
             </a:r>
           </a:p>
           <a:p>
             <a:pPr lvl="4"/>
             <a:r>
-              <a:rPr kumimoji="1" lang="ja-JP" altLang="en-US" smtClean="0"/>
+              <a:rPr lang="ja-JP" altLang="en-US" smtClean="0"/>
               <a:t>第 </a:t>
             </a:r>
             <a:r>
-              <a:rPr kumimoji="1" lang="en-US" altLang="ja-JP" smtClean="0"/>
+              <a:rPr lang="en-US" altLang="ja-JP" smtClean="0"/>
               <a:t>5 </a:t>
             </a:r>
             <a:r>
-              <a:rPr kumimoji="1" lang="ja-JP" altLang="en-US" smtClean="0"/>
+              <a:rPr lang="ja-JP" altLang="en-US" smtClean="0"/>
               <a:t>レベル</a:t>
             </a:r>
-            <a:endParaRPr kumimoji="1" lang="ja-JP" altLang="en-US"/>
-          </a:p>
-        </p:txBody>
-      </p:sp>
-      <p:sp>
-        <p:nvSpPr>
-          <p:cNvPr id="5" name="テキスト プレースホルダー 4"/>
+            <a:endParaRPr lang="en-US" dirty="0"/>
+          </a:p>
+        </p:txBody>
+      </p:sp>
+      <p:sp>
+        <p:nvSpPr>
+          <p:cNvPr id="5" name="Text Placeholder 4"/>
           <p:cNvSpPr>
             <a:spLocks noGrp="1"/>
           </p:cNvSpPr>
@@ -1672,8 +1678,8 @@
         </p:nvSpPr>
         <p:spPr>
           <a:xfrm>
-            <a:off x="6172200" y="1681163"/>
-            <a:ext cx="5183188" cy="823912"/>
+            <a:off x="4629151" y="1681163"/>
+            <a:ext cx="3887391" cy="823912"/>
           </a:xfrm>
         </p:spPr>
         <p:txBody>
@@ -1719,7 +1725,7 @@
           <a:p>
             <a:pPr lvl="0"/>
             <a:r>
-              <a:rPr kumimoji="1" lang="ja-JP" altLang="en-US" smtClean="0"/>
+              <a:rPr lang="ja-JP" altLang="en-US" smtClean="0"/>
               <a:t>マスター テキストの書式設定</a:t>
             </a:r>
           </a:p>
@@ -1727,7 +1733,7 @@
       </p:sp>
       <p:sp>
         <p:nvSpPr>
-          <p:cNvPr id="6" name="コンテンツ プレースホルダー 5"/>
+          <p:cNvPr id="6" name="Content Placeholder 5"/>
           <p:cNvSpPr>
             <a:spLocks noGrp="1"/>
           </p:cNvSpPr>
@@ -1737,8 +1743,8 @@
         </p:nvSpPr>
         <p:spPr>
           <a:xfrm>
-            <a:off x="6172200" y="2505075"/>
-            <a:ext cx="5183188" cy="3684588"/>
+            <a:off x="4629151" y="2505075"/>
+            <a:ext cx="3887391" cy="3684588"/>
           </a:xfrm>
         </p:spPr>
         <p:txBody>
@@ -1747,76 +1753,76 @@
           <a:p>
             <a:pPr lvl="0"/>
             <a:r>
-              <a:rPr kumimoji="1" lang="ja-JP" altLang="en-US" smtClean="0"/>
+              <a:rPr lang="ja-JP" altLang="en-US" smtClean="0"/>
               <a:t>マスター テキストの書式設定</a:t>
             </a:r>
           </a:p>
           <a:p>
             <a:pPr lvl="1"/>
             <a:r>
-              <a:rPr kumimoji="1" lang="ja-JP" altLang="en-US" smtClean="0"/>
+              <a:rPr lang="ja-JP" altLang="en-US" smtClean="0"/>
               <a:t>第 </a:t>
             </a:r>
             <a:r>
-              <a:rPr kumimoji="1" lang="en-US" altLang="ja-JP" smtClean="0"/>
+              <a:rPr lang="en-US" altLang="ja-JP" smtClean="0"/>
               <a:t>2 </a:t>
             </a:r>
             <a:r>
-              <a:rPr kumimoji="1" lang="ja-JP" altLang="en-US" smtClean="0"/>
+              <a:rPr lang="ja-JP" altLang="en-US" smtClean="0"/>
               <a:t>レベル</a:t>
             </a:r>
           </a:p>
           <a:p>
             <a:pPr lvl="2"/>
             <a:r>
-              <a:rPr kumimoji="1" lang="ja-JP" altLang="en-US" smtClean="0"/>
+              <a:rPr lang="ja-JP" altLang="en-US" smtClean="0"/>
               <a:t>第 </a:t>
             </a:r>
             <a:r>
-              <a:rPr kumimoji="1" lang="en-US" altLang="ja-JP" smtClean="0"/>
+              <a:rPr lang="en-US" altLang="ja-JP" smtClean="0"/>
               <a:t>3 </a:t>
             </a:r>
             <a:r>
-              <a:rPr kumimoji="1" lang="ja-JP" altLang="en-US" smtClean="0"/>
+              <a:rPr lang="ja-JP" altLang="en-US" smtClean="0"/>
               <a:t>レベル</a:t>
             </a:r>
           </a:p>
           <a:p>
             <a:pPr lvl="3"/>
             <a:r>
-              <a:rPr kumimoji="1" lang="ja-JP" altLang="en-US" smtClean="0"/>
+              <a:rPr lang="ja-JP" altLang="en-US" smtClean="0"/>
               <a:t>第 </a:t>
             </a:r>
             <a:r>
-              <a:rPr kumimoji="1" lang="en-US" altLang="ja-JP" smtClean="0"/>
+              <a:rPr lang="en-US" altLang="ja-JP" smtClean="0"/>
               <a:t>4 </a:t>
             </a:r>
             <a:r>
-              <a:rPr kumimoji="1" lang="ja-JP" altLang="en-US" smtClean="0"/>
+              <a:rPr lang="ja-JP" altLang="en-US" smtClean="0"/>
               <a:t>レベル</a:t>
             </a:r>
           </a:p>
           <a:p>
             <a:pPr lvl="4"/>
             <a:r>
-              <a:rPr kumimoji="1" lang="ja-JP" altLang="en-US" smtClean="0"/>
+              <a:rPr lang="ja-JP" altLang="en-US" smtClean="0"/>
               <a:t>第 </a:t>
             </a:r>
             <a:r>
-              <a:rPr kumimoji="1" lang="en-US" altLang="ja-JP" smtClean="0"/>
+              <a:rPr lang="en-US" altLang="ja-JP" smtClean="0"/>
               <a:t>5 </a:t>
             </a:r>
             <a:r>
-              <a:rPr kumimoji="1" lang="ja-JP" altLang="en-US" smtClean="0"/>
+              <a:rPr lang="ja-JP" altLang="en-US" smtClean="0"/>
               <a:t>レベル</a:t>
             </a:r>
-            <a:endParaRPr kumimoji="1" lang="ja-JP" altLang="en-US"/>
-          </a:p>
-        </p:txBody>
-      </p:sp>
-      <p:sp>
-        <p:nvSpPr>
-          <p:cNvPr id="7" name="日付プレースホルダー 6"/>
+            <a:endParaRPr lang="en-US" dirty="0"/>
+          </a:p>
+        </p:txBody>
+      </p:sp>
+      <p:sp>
+        <p:nvSpPr>
+          <p:cNvPr id="7" name="Date Placeholder 6"/>
           <p:cNvSpPr>
             <a:spLocks noGrp="1"/>
           </p:cNvSpPr>
@@ -1839,7 +1845,7 @@
       </p:sp>
       <p:sp>
         <p:nvSpPr>
-          <p:cNvPr id="8" name="フッター プレースホルダー 7"/>
+          <p:cNvPr id="8" name="Footer Placeholder 7"/>
           <p:cNvSpPr>
             <a:spLocks noGrp="1"/>
           </p:cNvSpPr>
@@ -1858,7 +1864,7 @@
       </p:sp>
       <p:sp>
         <p:nvSpPr>
-          <p:cNvPr id="9" name="スライド番号プレースホルダー 8"/>
+          <p:cNvPr id="9" name="Slide Number Placeholder 8"/>
           <p:cNvSpPr>
             <a:spLocks noGrp="1"/>
           </p:cNvSpPr>
@@ -1882,7 +1888,7 @@
     </p:spTree>
     <p:extLst>
       <p:ext uri="{BB962C8B-B14F-4D97-AF65-F5344CB8AC3E}">
-        <p14:creationId xmlns:p14="http://schemas.microsoft.com/office/powerpoint/2010/main" val="1886743125"/>
+        <p14:creationId xmlns:p14="http://schemas.microsoft.com/office/powerpoint/2010/main" val="2279280891"/>
       </p:ext>
     </p:extLst>
   </p:cSld>
@@ -1911,7 +1917,7 @@
       </p:grpSpPr>
       <p:sp>
         <p:nvSpPr>
-          <p:cNvPr id="2" name="タイトル 1"/>
+          <p:cNvPr id="2" name="Title 1"/>
           <p:cNvSpPr>
             <a:spLocks noGrp="1"/>
           </p:cNvSpPr>
@@ -1925,16 +1931,16 @@
           <a:lstStyle/>
           <a:p>
             <a:r>
-              <a:rPr kumimoji="1" lang="ja-JP" altLang="en-US" smtClean="0"/>
+              <a:rPr lang="ja-JP" altLang="en-US" smtClean="0"/>
               <a:t>マスター タイトルの書式設定</a:t>
             </a:r>
-            <a:endParaRPr kumimoji="1" lang="ja-JP" altLang="en-US"/>
-          </a:p>
-        </p:txBody>
-      </p:sp>
-      <p:sp>
-        <p:nvSpPr>
-          <p:cNvPr id="3" name="日付プレースホルダー 2"/>
+            <a:endParaRPr lang="en-US" dirty="0"/>
+          </a:p>
+        </p:txBody>
+      </p:sp>
+      <p:sp>
+        <p:nvSpPr>
+          <p:cNvPr id="3" name="Date Placeholder 2"/>
           <p:cNvSpPr>
             <a:spLocks noGrp="1"/>
           </p:cNvSpPr>
@@ -1957,7 +1963,7 @@
       </p:sp>
       <p:sp>
         <p:nvSpPr>
-          <p:cNvPr id="4" name="フッター プレースホルダー 3"/>
+          <p:cNvPr id="4" name="Footer Placeholder 3"/>
           <p:cNvSpPr>
             <a:spLocks noGrp="1"/>
           </p:cNvSpPr>
@@ -1976,7 +1982,7 @@
       </p:sp>
       <p:sp>
         <p:nvSpPr>
-          <p:cNvPr id="5" name="スライド番号プレースホルダー 4"/>
+          <p:cNvPr id="5" name="Slide Number Placeholder 4"/>
           <p:cNvSpPr>
             <a:spLocks noGrp="1"/>
           </p:cNvSpPr>
@@ -2000,7 +2006,7 @@
     </p:spTree>
     <p:extLst>
       <p:ext uri="{BB962C8B-B14F-4D97-AF65-F5344CB8AC3E}">
-        <p14:creationId xmlns:p14="http://schemas.microsoft.com/office/powerpoint/2010/main" val="3904012141"/>
+        <p14:creationId xmlns:p14="http://schemas.microsoft.com/office/powerpoint/2010/main" val="297515590"/>
       </p:ext>
     </p:extLst>
   </p:cSld>
@@ -2029,7 +2035,7 @@
       </p:grpSpPr>
       <p:sp>
         <p:nvSpPr>
-          <p:cNvPr id="2" name="日付プレースホルダー 1"/>
+          <p:cNvPr id="2" name="Date Placeholder 1"/>
           <p:cNvSpPr>
             <a:spLocks noGrp="1"/>
           </p:cNvSpPr>
@@ -2052,7 +2058,7 @@
       </p:sp>
       <p:sp>
         <p:nvSpPr>
-          <p:cNvPr id="3" name="フッター プレースホルダー 2"/>
+          <p:cNvPr id="3" name="Footer Placeholder 2"/>
           <p:cNvSpPr>
             <a:spLocks noGrp="1"/>
           </p:cNvSpPr>
@@ -2071,7 +2077,7 @@
       </p:sp>
       <p:sp>
         <p:nvSpPr>
-          <p:cNvPr id="4" name="スライド番号プレースホルダー 3"/>
+          <p:cNvPr id="4" name="Slide Number Placeholder 3"/>
           <p:cNvSpPr>
             <a:spLocks noGrp="1"/>
           </p:cNvSpPr>
@@ -2095,7 +2101,7 @@
     </p:spTree>
     <p:extLst>
       <p:ext uri="{BB962C8B-B14F-4D97-AF65-F5344CB8AC3E}">
-        <p14:creationId xmlns:p14="http://schemas.microsoft.com/office/powerpoint/2010/main" val="1877029078"/>
+        <p14:creationId xmlns:p14="http://schemas.microsoft.com/office/powerpoint/2010/main" val="2376244564"/>
       </p:ext>
     </p:extLst>
   </p:cSld>
@@ -2124,7 +2130,7 @@
       </p:grpSpPr>
       <p:sp>
         <p:nvSpPr>
-          <p:cNvPr id="2" name="タイトル 1"/>
+          <p:cNvPr id="2" name="Title 1"/>
           <p:cNvSpPr>
             <a:spLocks noGrp="1"/>
           </p:cNvSpPr>
@@ -2134,8 +2140,8 @@
         </p:nvSpPr>
         <p:spPr>
           <a:xfrm>
-            <a:off x="839788" y="457200"/>
-            <a:ext cx="3932237" cy="1600200"/>
+            <a:off x="629841" y="457200"/>
+            <a:ext cx="2949178" cy="1600200"/>
           </a:xfrm>
         </p:spPr>
         <p:txBody>
@@ -2147,16 +2153,16 @@
           </a:lstStyle>
           <a:p>
             <a:r>
-              <a:rPr kumimoji="1" lang="ja-JP" altLang="en-US" smtClean="0"/>
+              <a:rPr lang="ja-JP" altLang="en-US" smtClean="0"/>
               <a:t>マスター タイトルの書式設定</a:t>
             </a:r>
-            <a:endParaRPr kumimoji="1" lang="ja-JP" altLang="en-US"/>
-          </a:p>
-        </p:txBody>
-      </p:sp>
-      <p:sp>
-        <p:nvSpPr>
-          <p:cNvPr id="3" name="コンテンツ プレースホルダー 2"/>
+            <a:endParaRPr lang="en-US" dirty="0"/>
+          </a:p>
+        </p:txBody>
+      </p:sp>
+      <p:sp>
+        <p:nvSpPr>
+          <p:cNvPr id="3" name="Content Placeholder 2"/>
           <p:cNvSpPr>
             <a:spLocks noGrp="1"/>
           </p:cNvSpPr>
@@ -2166,8 +2172,8 @@
         </p:nvSpPr>
         <p:spPr>
           <a:xfrm>
-            <a:off x="5183188" y="987425"/>
-            <a:ext cx="6172200" cy="4873625"/>
+            <a:off x="3887391" y="987428"/>
+            <a:ext cx="4629150" cy="4873625"/>
           </a:xfrm>
         </p:spPr>
         <p:txBody>
@@ -2204,76 +2210,76 @@
           <a:p>
             <a:pPr lvl="0"/>
             <a:r>
-              <a:rPr kumimoji="1" lang="ja-JP" altLang="en-US" smtClean="0"/>
+              <a:rPr lang="ja-JP" altLang="en-US" smtClean="0"/>
               <a:t>マスター テキストの書式設定</a:t>
             </a:r>
           </a:p>
           <a:p>
             <a:pPr lvl="1"/>
             <a:r>
-              <a:rPr kumimoji="1" lang="ja-JP" altLang="en-US" smtClean="0"/>
+              <a:rPr lang="ja-JP" altLang="en-US" smtClean="0"/>
               <a:t>第 </a:t>
             </a:r>
             <a:r>
-              <a:rPr kumimoji="1" lang="en-US" altLang="ja-JP" smtClean="0"/>
+              <a:rPr lang="en-US" altLang="ja-JP" smtClean="0"/>
               <a:t>2 </a:t>
             </a:r>
             <a:r>
-              <a:rPr kumimoji="1" lang="ja-JP" altLang="en-US" smtClean="0"/>
+              <a:rPr lang="ja-JP" altLang="en-US" smtClean="0"/>
               <a:t>レベル</a:t>
             </a:r>
           </a:p>
           <a:p>
             <a:pPr lvl="2"/>
             <a:r>
-              <a:rPr kumimoji="1" lang="ja-JP" altLang="en-US" smtClean="0"/>
+              <a:rPr lang="ja-JP" altLang="en-US" smtClean="0"/>
               <a:t>第 </a:t>
             </a:r>
             <a:r>
-              <a:rPr kumimoji="1" lang="en-US" altLang="ja-JP" smtClean="0"/>
+              <a:rPr lang="en-US" altLang="ja-JP" smtClean="0"/>
               <a:t>3 </a:t>
             </a:r>
             <a:r>
-              <a:rPr kumimoji="1" lang="ja-JP" altLang="en-US" smtClean="0"/>
+              <a:rPr lang="ja-JP" altLang="en-US" smtClean="0"/>
               <a:t>レベル</a:t>
             </a:r>
           </a:p>
           <a:p>
             <a:pPr lvl="3"/>
             <a:r>
-              <a:rPr kumimoji="1" lang="ja-JP" altLang="en-US" smtClean="0"/>
+              <a:rPr lang="ja-JP" altLang="en-US" smtClean="0"/>
               <a:t>第 </a:t>
             </a:r>
             <a:r>
-              <a:rPr kumimoji="1" lang="en-US" altLang="ja-JP" smtClean="0"/>
+              <a:rPr lang="en-US" altLang="ja-JP" smtClean="0"/>
               <a:t>4 </a:t>
             </a:r>
             <a:r>
-              <a:rPr kumimoji="1" lang="ja-JP" altLang="en-US" smtClean="0"/>
+              <a:rPr lang="ja-JP" altLang="en-US" smtClean="0"/>
               <a:t>レベル</a:t>
             </a:r>
           </a:p>
           <a:p>
             <a:pPr lvl="4"/>
             <a:r>
-              <a:rPr kumimoji="1" lang="ja-JP" altLang="en-US" smtClean="0"/>
+              <a:rPr lang="ja-JP" altLang="en-US" smtClean="0"/>
               <a:t>第 </a:t>
             </a:r>
             <a:r>
-              <a:rPr kumimoji="1" lang="en-US" altLang="ja-JP" smtClean="0"/>
+              <a:rPr lang="en-US" altLang="ja-JP" smtClean="0"/>
               <a:t>5 </a:t>
             </a:r>
             <a:r>
-              <a:rPr kumimoji="1" lang="ja-JP" altLang="en-US" smtClean="0"/>
+              <a:rPr lang="ja-JP" altLang="en-US" smtClean="0"/>
               <a:t>レベル</a:t>
             </a:r>
-            <a:endParaRPr kumimoji="1" lang="ja-JP" altLang="en-US"/>
-          </a:p>
-        </p:txBody>
-      </p:sp>
-      <p:sp>
-        <p:nvSpPr>
-          <p:cNvPr id="4" name="テキスト プレースホルダー 3"/>
+            <a:endParaRPr lang="en-US" dirty="0"/>
+          </a:p>
+        </p:txBody>
+      </p:sp>
+      <p:sp>
+        <p:nvSpPr>
+          <p:cNvPr id="4" name="Text Placeholder 3"/>
           <p:cNvSpPr>
             <a:spLocks noGrp="1"/>
           </p:cNvSpPr>
@@ -2283,8 +2289,8 @@
         </p:nvSpPr>
         <p:spPr>
           <a:xfrm>
-            <a:off x="839788" y="2057400"/>
-            <a:ext cx="3932237" cy="3811588"/>
+            <a:off x="629841" y="2057400"/>
+            <a:ext cx="2949178" cy="3811588"/>
           </a:xfrm>
         </p:spPr>
         <p:txBody>
@@ -2330,7 +2336,7 @@
           <a:p>
             <a:pPr lvl="0"/>
             <a:r>
-              <a:rPr kumimoji="1" lang="ja-JP" altLang="en-US" smtClean="0"/>
+              <a:rPr lang="ja-JP" altLang="en-US" smtClean="0"/>
               <a:t>マスター テキストの書式設定</a:t>
             </a:r>
           </a:p>
@@ -2338,7 +2344,7 @@
       </p:sp>
       <p:sp>
         <p:nvSpPr>
-          <p:cNvPr id="5" name="日付プレースホルダー 4"/>
+          <p:cNvPr id="5" name="Date Placeholder 4"/>
           <p:cNvSpPr>
             <a:spLocks noGrp="1"/>
           </p:cNvSpPr>
@@ -2361,7 +2367,7 @@
       </p:sp>
       <p:sp>
         <p:nvSpPr>
-          <p:cNvPr id="6" name="フッター プレースホルダー 5"/>
+          <p:cNvPr id="6" name="Footer Placeholder 5"/>
           <p:cNvSpPr>
             <a:spLocks noGrp="1"/>
           </p:cNvSpPr>
@@ -2380,7 +2386,7 @@
       </p:sp>
       <p:sp>
         <p:nvSpPr>
-          <p:cNvPr id="7" name="スライド番号プレースホルダー 6"/>
+          <p:cNvPr id="7" name="Slide Number Placeholder 6"/>
           <p:cNvSpPr>
             <a:spLocks noGrp="1"/>
           </p:cNvSpPr>
@@ -2404,7 +2410,7 @@
     </p:spTree>
     <p:extLst>
       <p:ext uri="{BB962C8B-B14F-4D97-AF65-F5344CB8AC3E}">
-        <p14:creationId xmlns:p14="http://schemas.microsoft.com/office/powerpoint/2010/main" val="1831916803"/>
+        <p14:creationId xmlns:p14="http://schemas.microsoft.com/office/powerpoint/2010/main" val="3067003440"/>
       </p:ext>
     </p:extLst>
   </p:cSld>
@@ -2433,7 +2439,7 @@
       </p:grpSpPr>
       <p:sp>
         <p:nvSpPr>
-          <p:cNvPr id="2" name="タイトル 1"/>
+          <p:cNvPr id="2" name="Title 1"/>
           <p:cNvSpPr>
             <a:spLocks noGrp="1"/>
           </p:cNvSpPr>
@@ -2443,8 +2449,8 @@
         </p:nvSpPr>
         <p:spPr>
           <a:xfrm>
-            <a:off x="839788" y="457200"/>
-            <a:ext cx="3932237" cy="1600200"/>
+            <a:off x="629841" y="457200"/>
+            <a:ext cx="2949178" cy="1600200"/>
           </a:xfrm>
         </p:spPr>
         <p:txBody>
@@ -2456,18 +2462,18 @@
           </a:lstStyle>
           <a:p>
             <a:r>
-              <a:rPr kumimoji="1" lang="ja-JP" altLang="en-US" smtClean="0"/>
+              <a:rPr lang="ja-JP" altLang="en-US" smtClean="0"/>
               <a:t>マスター タイトルの書式設定</a:t>
             </a:r>
-            <a:endParaRPr kumimoji="1" lang="ja-JP" altLang="en-US"/>
-          </a:p>
-        </p:txBody>
-      </p:sp>
-      <p:sp>
-        <p:nvSpPr>
-          <p:cNvPr id="3" name="図プレースホルダー 2"/>
-          <p:cNvSpPr>
-            <a:spLocks noGrp="1"/>
+            <a:endParaRPr lang="en-US" dirty="0"/>
+          </a:p>
+        </p:txBody>
+      </p:sp>
+      <p:sp>
+        <p:nvSpPr>
+          <p:cNvPr id="3" name="Picture Placeholder 2"/>
+          <p:cNvSpPr>
+            <a:spLocks noGrp="1" noChangeAspect="1"/>
           </p:cNvSpPr>
           <p:nvPr>
             <p:ph type="pic" idx="1"/>
@@ -2475,12 +2481,12 @@
         </p:nvSpPr>
         <p:spPr>
           <a:xfrm>
-            <a:off x="5183188" y="987425"/>
-            <a:ext cx="6172200" cy="4873625"/>
+            <a:off x="3887391" y="987428"/>
+            <a:ext cx="4629150" cy="4873625"/>
           </a:xfrm>
         </p:spPr>
         <p:txBody>
-          <a:bodyPr/>
+          <a:bodyPr anchor="t"/>
           <a:lstStyle>
             <a:lvl1pPr marL="0" indent="0">
               <a:buNone/>
@@ -2520,13 +2526,17 @@
             </a:lvl9pPr>
           </a:lstStyle>
           <a:p>
-            <a:endParaRPr kumimoji="1" lang="ja-JP" altLang="en-US"/>
-          </a:p>
-        </p:txBody>
-      </p:sp>
-      <p:sp>
-        <p:nvSpPr>
-          <p:cNvPr id="4" name="テキスト プレースホルダー 3"/>
+            <a:r>
+              <a:rPr lang="ja-JP" altLang="en-US" smtClean="0"/>
+              <a:t>図を追加</a:t>
+            </a:r>
+            <a:endParaRPr lang="en-US" dirty="0"/>
+          </a:p>
+        </p:txBody>
+      </p:sp>
+      <p:sp>
+        <p:nvSpPr>
+          <p:cNvPr id="4" name="Text Placeholder 3"/>
           <p:cNvSpPr>
             <a:spLocks noGrp="1"/>
           </p:cNvSpPr>
@@ -2536,8 +2546,8 @@
         </p:nvSpPr>
         <p:spPr>
           <a:xfrm>
-            <a:off x="839788" y="2057400"/>
-            <a:ext cx="3932237" cy="3811588"/>
+            <a:off x="629841" y="2057400"/>
+            <a:ext cx="2949178" cy="3811588"/>
           </a:xfrm>
         </p:spPr>
         <p:txBody>
@@ -2583,7 +2593,7 @@
           <a:p>
             <a:pPr lvl="0"/>
             <a:r>
-              <a:rPr kumimoji="1" lang="ja-JP" altLang="en-US" smtClean="0"/>
+              <a:rPr lang="ja-JP" altLang="en-US" smtClean="0"/>
               <a:t>マスター テキストの書式設定</a:t>
             </a:r>
           </a:p>
@@ -2591,7 +2601,7 @@
       </p:sp>
       <p:sp>
         <p:nvSpPr>
-          <p:cNvPr id="5" name="日付プレースホルダー 4"/>
+          <p:cNvPr id="5" name="Date Placeholder 4"/>
           <p:cNvSpPr>
             <a:spLocks noGrp="1"/>
           </p:cNvSpPr>
@@ -2614,7 +2624,7 @@
       </p:sp>
       <p:sp>
         <p:nvSpPr>
-          <p:cNvPr id="6" name="フッター プレースホルダー 5"/>
+          <p:cNvPr id="6" name="Footer Placeholder 5"/>
           <p:cNvSpPr>
             <a:spLocks noGrp="1"/>
           </p:cNvSpPr>
@@ -2633,7 +2643,7 @@
       </p:sp>
       <p:sp>
         <p:nvSpPr>
-          <p:cNvPr id="7" name="スライド番号プレースホルダー 6"/>
+          <p:cNvPr id="7" name="Slide Number Placeholder 6"/>
           <p:cNvSpPr>
             <a:spLocks noGrp="1"/>
           </p:cNvSpPr>
@@ -2657,7 +2667,7 @@
     </p:spTree>
     <p:extLst>
       <p:ext uri="{BB962C8B-B14F-4D97-AF65-F5344CB8AC3E}">
-        <p14:creationId xmlns:p14="http://schemas.microsoft.com/office/powerpoint/2010/main" val="380515476"/>
+        <p14:creationId xmlns:p14="http://schemas.microsoft.com/office/powerpoint/2010/main" val="2232979345"/>
       </p:ext>
     </p:extLst>
   </p:cSld>
@@ -2691,7 +2701,7 @@
       </p:grpSpPr>
       <p:sp>
         <p:nvSpPr>
-          <p:cNvPr id="2" name="タイトル プレースホルダー 1"/>
+          <p:cNvPr id="2" name="Title Placeholder 1"/>
           <p:cNvSpPr>
             <a:spLocks noGrp="1"/>
           </p:cNvSpPr>
@@ -2701,8 +2711,8 @@
         </p:nvSpPr>
         <p:spPr>
           <a:xfrm>
-            <a:off x="838200" y="365125"/>
-            <a:ext cx="10515600" cy="1325563"/>
+            <a:off x="628650" y="365128"/>
+            <a:ext cx="7886700" cy="1325563"/>
           </a:xfrm>
           <a:prstGeom prst="rect">
             <a:avLst/>
@@ -2715,16 +2725,16 @@
           <a:lstStyle/>
           <a:p>
             <a:r>
-              <a:rPr kumimoji="1" lang="ja-JP" altLang="en-US" smtClean="0"/>
+              <a:rPr lang="ja-JP" altLang="en-US" smtClean="0"/>
               <a:t>マスター タイトルの書式設定</a:t>
             </a:r>
-            <a:endParaRPr kumimoji="1" lang="ja-JP" altLang="en-US"/>
-          </a:p>
-        </p:txBody>
-      </p:sp>
-      <p:sp>
-        <p:nvSpPr>
-          <p:cNvPr id="3" name="テキスト プレースホルダー 2"/>
+            <a:endParaRPr lang="en-US" dirty="0"/>
+          </a:p>
+        </p:txBody>
+      </p:sp>
+      <p:sp>
+        <p:nvSpPr>
+          <p:cNvPr id="3" name="Text Placeholder 2"/>
           <p:cNvSpPr>
             <a:spLocks noGrp="1"/>
           </p:cNvSpPr>
@@ -2734,8 +2744,8 @@
         </p:nvSpPr>
         <p:spPr>
           <a:xfrm>
-            <a:off x="838200" y="1825625"/>
-            <a:ext cx="10515600" cy="4351338"/>
+            <a:off x="628650" y="1825625"/>
+            <a:ext cx="7886700" cy="4351338"/>
           </a:xfrm>
           <a:prstGeom prst="rect">
             <a:avLst/>
@@ -2749,76 +2759,76 @@
           <a:p>
             <a:pPr lvl="0"/>
             <a:r>
-              <a:rPr kumimoji="1" lang="ja-JP" altLang="en-US" smtClean="0"/>
+              <a:rPr lang="ja-JP" altLang="en-US" smtClean="0"/>
               <a:t>マスター テキストの書式設定</a:t>
             </a:r>
           </a:p>
           <a:p>
             <a:pPr lvl="1"/>
             <a:r>
-              <a:rPr kumimoji="1" lang="ja-JP" altLang="en-US" smtClean="0"/>
+              <a:rPr lang="ja-JP" altLang="en-US" smtClean="0"/>
               <a:t>第 </a:t>
             </a:r>
             <a:r>
-              <a:rPr kumimoji="1" lang="en-US" altLang="ja-JP" smtClean="0"/>
+              <a:rPr lang="en-US" altLang="ja-JP" smtClean="0"/>
               <a:t>2 </a:t>
             </a:r>
             <a:r>
-              <a:rPr kumimoji="1" lang="ja-JP" altLang="en-US" smtClean="0"/>
+              <a:rPr lang="ja-JP" altLang="en-US" smtClean="0"/>
               <a:t>レベル</a:t>
             </a:r>
           </a:p>
           <a:p>
             <a:pPr lvl="2"/>
             <a:r>
-              <a:rPr kumimoji="1" lang="ja-JP" altLang="en-US" smtClean="0"/>
+              <a:rPr lang="ja-JP" altLang="en-US" smtClean="0"/>
               <a:t>第 </a:t>
             </a:r>
             <a:r>
-              <a:rPr kumimoji="1" lang="en-US" altLang="ja-JP" smtClean="0"/>
+              <a:rPr lang="en-US" altLang="ja-JP" smtClean="0"/>
               <a:t>3 </a:t>
             </a:r>
             <a:r>
-              <a:rPr kumimoji="1" lang="ja-JP" altLang="en-US" smtClean="0"/>
+              <a:rPr lang="ja-JP" altLang="en-US" smtClean="0"/>
               <a:t>レベル</a:t>
             </a:r>
           </a:p>
           <a:p>
             <a:pPr lvl="3"/>
             <a:r>
-              <a:rPr kumimoji="1" lang="ja-JP" altLang="en-US" smtClean="0"/>
+              <a:rPr lang="ja-JP" altLang="en-US" smtClean="0"/>
               <a:t>第 </a:t>
             </a:r>
             <a:r>
-              <a:rPr kumimoji="1" lang="en-US" altLang="ja-JP" smtClean="0"/>
+              <a:rPr lang="en-US" altLang="ja-JP" smtClean="0"/>
               <a:t>4 </a:t>
             </a:r>
             <a:r>
-              <a:rPr kumimoji="1" lang="ja-JP" altLang="en-US" smtClean="0"/>
+              <a:rPr lang="ja-JP" altLang="en-US" smtClean="0"/>
               <a:t>レベル</a:t>
             </a:r>
           </a:p>
           <a:p>
             <a:pPr lvl="4"/>
             <a:r>
-              <a:rPr kumimoji="1" lang="ja-JP" altLang="en-US" smtClean="0"/>
+              <a:rPr lang="ja-JP" altLang="en-US" smtClean="0"/>
               <a:t>第 </a:t>
             </a:r>
             <a:r>
-              <a:rPr kumimoji="1" lang="en-US" altLang="ja-JP" smtClean="0"/>
+              <a:rPr lang="en-US" altLang="ja-JP" smtClean="0"/>
               <a:t>5 </a:t>
             </a:r>
             <a:r>
-              <a:rPr kumimoji="1" lang="ja-JP" altLang="en-US" smtClean="0"/>
+              <a:rPr lang="ja-JP" altLang="en-US" smtClean="0"/>
               <a:t>レベル</a:t>
             </a:r>
-            <a:endParaRPr kumimoji="1" lang="ja-JP" altLang="en-US"/>
-          </a:p>
-        </p:txBody>
-      </p:sp>
-      <p:sp>
-        <p:nvSpPr>
-          <p:cNvPr id="4" name="日付プレースホルダー 3"/>
+            <a:endParaRPr lang="en-US" dirty="0"/>
+          </a:p>
+        </p:txBody>
+      </p:sp>
+      <p:sp>
+        <p:nvSpPr>
+          <p:cNvPr id="4" name="Date Placeholder 3"/>
           <p:cNvSpPr>
             <a:spLocks noGrp="1"/>
           </p:cNvSpPr>
@@ -2828,8 +2838,8 @@
         </p:nvSpPr>
         <p:spPr>
           <a:xfrm>
-            <a:off x="838200" y="6356350"/>
-            <a:ext cx="2743200" cy="365125"/>
+            <a:off x="628650" y="6356353"/>
+            <a:ext cx="2057400" cy="365125"/>
           </a:xfrm>
           <a:prstGeom prst="rect">
             <a:avLst/>
@@ -2859,7 +2869,7 @@
       </p:sp>
       <p:sp>
         <p:nvSpPr>
-          <p:cNvPr id="5" name="フッター プレースホルダー 4"/>
+          <p:cNvPr id="5" name="Footer Placeholder 4"/>
           <p:cNvSpPr>
             <a:spLocks noGrp="1"/>
           </p:cNvSpPr>
@@ -2869,8 +2879,8 @@
         </p:nvSpPr>
         <p:spPr>
           <a:xfrm>
-            <a:off x="4038600" y="6356350"/>
-            <a:ext cx="4114800" cy="365125"/>
+            <a:off x="3028950" y="6356353"/>
+            <a:ext cx="3086100" cy="365125"/>
           </a:xfrm>
           <a:prstGeom prst="rect">
             <a:avLst/>
@@ -2896,7 +2906,7 @@
       </p:sp>
       <p:sp>
         <p:nvSpPr>
-          <p:cNvPr id="6" name="スライド番号プレースホルダー 5"/>
+          <p:cNvPr id="6" name="Slide Number Placeholder 5"/>
           <p:cNvSpPr>
             <a:spLocks noGrp="1"/>
           </p:cNvSpPr>
@@ -2906,8 +2916,8 @@
         </p:nvSpPr>
         <p:spPr>
           <a:xfrm>
-            <a:off x="8610600" y="6356350"/>
-            <a:ext cx="2743200" cy="365125"/>
+            <a:off x="6457950" y="6356353"/>
+            <a:ext cx="2057400" cy="365125"/>
           </a:xfrm>
           <a:prstGeom prst="rect">
             <a:avLst/>
@@ -2938,23 +2948,23 @@
     </p:spTree>
     <p:extLst>
       <p:ext uri="{BB962C8B-B14F-4D97-AF65-F5344CB8AC3E}">
-        <p14:creationId xmlns:p14="http://schemas.microsoft.com/office/powerpoint/2010/main" val="3035659616"/>
+        <p14:creationId xmlns:p14="http://schemas.microsoft.com/office/powerpoint/2010/main" val="718257266"/>
       </p:ext>
     </p:extLst>
   </p:cSld>
   <p:clrMap bg1="lt1" tx1="dk1" bg2="lt2" tx2="dk2" accent1="accent1" accent2="accent2" accent3="accent3" accent4="accent4" accent5="accent5" accent6="accent6" hlink="hlink" folHlink="folHlink"/>
   <p:sldLayoutIdLst>
-    <p:sldLayoutId id="2147483649" r:id="rId1"/>
-    <p:sldLayoutId id="2147483650" r:id="rId2"/>
-    <p:sldLayoutId id="2147483651" r:id="rId3"/>
-    <p:sldLayoutId id="2147483652" r:id="rId4"/>
-    <p:sldLayoutId id="2147483653" r:id="rId5"/>
-    <p:sldLayoutId id="2147483654" r:id="rId6"/>
-    <p:sldLayoutId id="2147483655" r:id="rId7"/>
-    <p:sldLayoutId id="2147483656" r:id="rId8"/>
-    <p:sldLayoutId id="2147483657" r:id="rId9"/>
-    <p:sldLayoutId id="2147483658" r:id="rId10"/>
-    <p:sldLayoutId id="2147483659" r:id="rId11"/>
+    <p:sldLayoutId id="2147483685" r:id="rId1"/>
+    <p:sldLayoutId id="2147483686" r:id="rId2"/>
+    <p:sldLayoutId id="2147483687" r:id="rId3"/>
+    <p:sldLayoutId id="2147483688" r:id="rId4"/>
+    <p:sldLayoutId id="2147483689" r:id="rId5"/>
+    <p:sldLayoutId id="2147483690" r:id="rId6"/>
+    <p:sldLayoutId id="2147483691" r:id="rId7"/>
+    <p:sldLayoutId id="2147483692" r:id="rId8"/>
+    <p:sldLayoutId id="2147483693" r:id="rId9"/>
+    <p:sldLayoutId id="2147483694" r:id="rId10"/>
+    <p:sldLayoutId id="2147483695" r:id="rId11"/>
   </p:sldLayoutIdLst>
   <p:txStyles>
     <p:titleStyle>
@@ -3142,7 +3152,7 @@
     </p:bodyStyle>
     <p:otherStyle>
       <a:defPPr>
-        <a:defRPr lang="ja-JP"/>
+        <a:defRPr lang="en-US"/>
       </a:defPPr>
       <a:lvl1pPr marL="0" algn="l" defTabSz="914400" rtl="0" eaLnBrk="1" latinLnBrk="0" hangingPunct="1">
         <a:defRPr kumimoji="1" sz="1800" kern="1200">
@@ -3268,8 +3278,8 @@
         </p:nvSpPr>
         <p:spPr>
           <a:xfrm>
-            <a:off x="1354067" y="2166236"/>
-            <a:ext cx="9144000" cy="2387600"/>
+            <a:off x="1015551" y="2481933"/>
+            <a:ext cx="6858000" cy="1790700"/>
           </a:xfrm>
         </p:spPr>
         <p:txBody>
@@ -3298,8 +3308,8 @@
         </p:nvSpPr>
         <p:spPr>
           <a:xfrm>
-            <a:off x="1354067" y="4700588"/>
-            <a:ext cx="9144000" cy="1655762"/>
+            <a:off x="1015551" y="4382698"/>
+            <a:ext cx="6858000" cy="1241823"/>
           </a:xfrm>
         </p:spPr>
         <p:txBody>
@@ -3357,6 +3367,13 @@
   <p:clrMapOvr>
     <a:masterClrMapping/>
   </p:clrMapOvr>
+  <p:timing>
+    <p:tnLst>
+      <p:par>
+        <p:cTn id="1" dur="indefinite" restart="never" nodeType="tmRoot"/>
+      </p:par>
+    </p:tnLst>
+  </p:timing>
 </p:sld>
 </file>
 
@@ -3471,6 +3488,13 @@
   <p:clrMapOvr>
     <a:masterClrMapping/>
   </p:clrMapOvr>
+  <p:timing>
+    <p:tnLst>
+      <p:par>
+        <p:cTn id="1" dur="indefinite" restart="never" nodeType="tmRoot"/>
+      </p:par>
+    </p:tnLst>
+  </p:timing>
 </p:sld>
 </file>
 
@@ -3617,6 +3641,13 @@
   <p:clrMapOvr>
     <a:masterClrMapping/>
   </p:clrMapOvr>
+  <p:timing>
+    <p:tnLst>
+      <p:par>
+        <p:cTn id="1" dur="indefinite" restart="never" nodeType="tmRoot"/>
+      </p:par>
+    </p:tnLst>
+  </p:timing>
 </p:sld>
 </file>
 
@@ -3680,8 +3711,8 @@
         </p:blipFill>
         <p:spPr>
           <a:xfrm>
-            <a:off x="1254586" y="1690688"/>
-            <a:ext cx="3435417" cy="4404253"/>
+            <a:off x="940945" y="2125272"/>
+            <a:ext cx="2576563" cy="3303191"/>
           </a:xfrm>
           <a:prstGeom prst="rect">
             <a:avLst/>
@@ -3704,8 +3735,8 @@
         </p:blipFill>
         <p:spPr>
           <a:xfrm>
-            <a:off x="5466116" y="1690688"/>
-            <a:ext cx="3226645" cy="4404253"/>
+            <a:off x="4099587" y="2125272"/>
+            <a:ext cx="2419984" cy="3303191"/>
           </a:xfrm>
           <a:prstGeom prst="rect">
             <a:avLst/>
@@ -3720,8 +3751,8 @@
         </p:nvSpPr>
         <p:spPr>
           <a:xfrm>
-            <a:off x="1701800" y="6223000"/>
-            <a:ext cx="6163733" cy="369332"/>
+            <a:off x="1276351" y="5524505"/>
+            <a:ext cx="4622800" cy="300210"/>
           </a:xfrm>
           <a:prstGeom prst="rect">
             <a:avLst/>
@@ -3735,14 +3766,14 @@
           <a:lstStyle/>
           <a:p>
             <a:r>
-              <a:rPr kumimoji="1" lang="en-US" altLang="ja-JP" dirty="0" err="1" smtClean="0"/>
+              <a:rPr lang="en-US" altLang="ja-JP" sz="1351" dirty="0" err="1"/>
               <a:t>Blockly</a:t>
             </a:r>
             <a:r>
-              <a:rPr kumimoji="1" lang="ja-JP" altLang="en-US" dirty="0" smtClean="0"/>
+              <a:rPr lang="ja-JP" altLang="en-US" sz="1351" dirty="0"/>
               <a:t>で作成したアプリケーションの図</a:t>
             </a:r>
-            <a:endParaRPr kumimoji="1" lang="ja-JP" altLang="en-US" dirty="0"/>
+            <a:endParaRPr lang="ja-JP" altLang="en-US" sz="1351" dirty="0"/>
           </a:p>
         </p:txBody>
       </p:sp>
@@ -3756,6 +3787,13 @@
   <p:clrMapOvr>
     <a:masterClrMapping/>
   </p:clrMapOvr>
+  <p:timing>
+    <p:tnLst>
+      <p:par>
+        <p:cTn id="1" dur="indefinite" restart="never" nodeType="tmRoot"/>
+      </p:par>
+    </p:tnLst>
+  </p:timing>
 </p:sld>
 </file>
 
@@ -3792,6 +3830,1280 @@
           <a:lstStyle/>
           <a:p>
             <a:r>
+              <a:rPr kumimoji="1" lang="en-US" altLang="ja-JP" dirty="0" err="1" smtClean="0"/>
+              <a:t>Blockly</a:t>
+            </a:r>
+            <a:r>
+              <a:rPr kumimoji="1" lang="ja-JP" altLang="en-US" dirty="0" smtClean="0"/>
+              <a:t>入門</a:t>
+            </a:r>
+            <a:endParaRPr kumimoji="1" lang="ja-JP" altLang="en-US" dirty="0"/>
+          </a:p>
+        </p:txBody>
+      </p:sp>
+      <p:graphicFrame>
+        <p:nvGraphicFramePr>
+          <p:cNvPr id="4" name="表 3"/>
+          <p:cNvGraphicFramePr>
+            <a:graphicFrameLocks noGrp="1"/>
+          </p:cNvGraphicFramePr>
+          <p:nvPr>
+            <p:extLst>
+              <p:ext uri="{D42A27DB-BD31-4B8C-83A1-F6EECF244321}">
+                <p14:modId xmlns:p14="http://schemas.microsoft.com/office/powerpoint/2010/main" val="336323734"/>
+              </p:ext>
+            </p:extLst>
+          </p:nvPr>
+        </p:nvGraphicFramePr>
+        <p:xfrm>
+          <a:off x="1524000" y="1397000"/>
+          <a:ext cx="6096000" cy="4480560"/>
+        </p:xfrm>
+        <a:graphic>
+          <a:graphicData uri="http://schemas.openxmlformats.org/drawingml/2006/table">
+            <a:tbl>
+              <a:tblPr firstRow="1" bandRow="1">
+                <a:tableStyleId>{5940675A-B579-460E-94D1-54222C63F5DA}</a:tableStyleId>
+              </a:tblPr>
+              <a:tblGrid>
+                <a:gridCol w="6096000">
+                  <a:extLst>
+                    <a:ext uri="{9D8B030D-6E8A-4147-A177-3AD203B41FA5}">
+                      <a16:colId xmlns:a16="http://schemas.microsoft.com/office/drawing/2014/main" val="1682245979"/>
+                    </a:ext>
+                  </a:extLst>
+                </a:gridCol>
+              </a:tblGrid>
+              <a:tr h="370840">
+                <a:tc>
+                  <a:txBody>
+                    <a:bodyPr/>
+                    <a:lstStyle/>
+                    <a:p>
+                      <a:r>
+                        <a:rPr kumimoji="1" lang="en-US" altLang="ja-JP" sz="1800" kern="1200" dirty="0" smtClean="0">
+                          <a:effectLst/>
+                        </a:rPr>
+                        <a:t/>
+                      </a:r>
+                      <a:br>
+                        <a:rPr kumimoji="1" lang="en-US" altLang="ja-JP" sz="1800" kern="1200" dirty="0" smtClean="0">
+                          <a:effectLst/>
+                        </a:rPr>
+                      </a:br>
+                      <a:r>
+                        <a:rPr kumimoji="1" lang="en-US" altLang="ja-JP" sz="1800" kern="1200" dirty="0" smtClean="0">
+                          <a:effectLst/>
+                        </a:rPr>
+                        <a:t>    &lt;div class="</a:t>
+                      </a:r>
+                      <a:r>
+                        <a:rPr kumimoji="1" lang="en-US" altLang="ja-JP" sz="1800" kern="1200" dirty="0" err="1" smtClean="0">
+                          <a:effectLst/>
+                        </a:rPr>
+                        <a:t>blockly</a:t>
+                      </a:r>
+                      <a:r>
+                        <a:rPr kumimoji="1" lang="en-US" altLang="ja-JP" sz="1800" kern="1200" dirty="0" smtClean="0">
+                          <a:effectLst/>
+                        </a:rPr>
+                        <a:t>-editor"&gt;</a:t>
+                      </a:r>
+                    </a:p>
+                    <a:p>
+                      <a:r>
+                        <a:rPr kumimoji="1" lang="en-US" altLang="ja-JP" sz="1800" kern="1200" dirty="0" smtClean="0">
+                          <a:effectLst/>
+                        </a:rPr>
+                        <a:t>      &lt;div id="</a:t>
+                      </a:r>
+                      <a:r>
+                        <a:rPr kumimoji="1" lang="en-US" altLang="ja-JP" sz="1800" kern="1200" dirty="0" err="1" smtClean="0">
+                          <a:effectLst/>
+                        </a:rPr>
+                        <a:t>blocklyDiv</a:t>
+                      </a:r>
+                      <a:r>
+                        <a:rPr kumimoji="1" lang="en-US" altLang="ja-JP" sz="1800" kern="1200" dirty="0" smtClean="0">
+                          <a:effectLst/>
+                        </a:rPr>
+                        <a:t>" style="height: 480px; width: 400px;"&gt;&lt;/div&gt;</a:t>
+                      </a:r>
+                    </a:p>
+                    <a:p>
+                      <a:r>
+                        <a:rPr kumimoji="1" lang="en-US" altLang="ja-JP" sz="1800" kern="1200" dirty="0" smtClean="0">
+                          <a:effectLst/>
+                        </a:rPr>
+                        <a:t>      &lt;xml id="toolbox" style="display: none"&gt;</a:t>
+                      </a:r>
+                    </a:p>
+                    <a:p>
+                      <a:r>
+                        <a:rPr kumimoji="1" lang="en-US" altLang="ja-JP" sz="1800" kern="1200" dirty="0" smtClean="0">
+                          <a:effectLst/>
+                        </a:rPr>
+                        <a:t>        &lt;block type="</a:t>
+                      </a:r>
+                      <a:r>
+                        <a:rPr kumimoji="1" lang="en-US" altLang="ja-JP" sz="1800" kern="1200" dirty="0" err="1" smtClean="0">
+                          <a:effectLst/>
+                        </a:rPr>
+                        <a:t>controls_repeat_ext</a:t>
+                      </a:r>
+                      <a:r>
+                        <a:rPr kumimoji="1" lang="en-US" altLang="ja-JP" sz="1800" kern="1200" dirty="0" smtClean="0">
+                          <a:effectLst/>
+                        </a:rPr>
+                        <a:t>"&gt;</a:t>
+                      </a:r>
+                    </a:p>
+                    <a:p>
+                      <a:r>
+                        <a:rPr kumimoji="1" lang="en-US" altLang="ja-JP" sz="1800" kern="1200" dirty="0" smtClean="0">
+                          <a:effectLst/>
+                        </a:rPr>
+                        <a:t>            &lt;value name="TIMES"&gt;</a:t>
+                      </a:r>
+                    </a:p>
+                    <a:p>
+                      <a:r>
+                        <a:rPr kumimoji="1" lang="en-US" altLang="ja-JP" sz="1800" kern="1200" dirty="0" smtClean="0">
+                          <a:effectLst/>
+                        </a:rPr>
+                        <a:t>              &lt;shadow type="</a:t>
+                      </a:r>
+                      <a:r>
+                        <a:rPr kumimoji="1" lang="en-US" altLang="ja-JP" sz="1800" kern="1200" dirty="0" err="1" smtClean="0">
+                          <a:effectLst/>
+                        </a:rPr>
+                        <a:t>math_number</a:t>
+                      </a:r>
+                      <a:r>
+                        <a:rPr kumimoji="1" lang="en-US" altLang="ja-JP" sz="1800" kern="1200" dirty="0" smtClean="0">
+                          <a:effectLst/>
+                        </a:rPr>
+                        <a:t>"&gt;</a:t>
+                      </a:r>
+                    </a:p>
+                    <a:p>
+                      <a:r>
+                        <a:rPr kumimoji="1" lang="en-US" altLang="ja-JP" sz="1800" kern="1200" dirty="0" smtClean="0">
+                          <a:effectLst/>
+                        </a:rPr>
+                        <a:t>                &lt;field name="NUM"&gt;5&lt;/field&gt;</a:t>
+                      </a:r>
+                    </a:p>
+                    <a:p>
+                      <a:r>
+                        <a:rPr kumimoji="1" lang="en-US" altLang="ja-JP" sz="1800" kern="1200" dirty="0" smtClean="0">
+                          <a:effectLst/>
+                        </a:rPr>
+                        <a:t>              &lt;/shadow&gt;</a:t>
+                      </a:r>
+                    </a:p>
+                    <a:p>
+                      <a:r>
+                        <a:rPr kumimoji="1" lang="en-US" altLang="ja-JP" sz="1800" kern="1200" dirty="0" smtClean="0">
+                          <a:effectLst/>
+                        </a:rPr>
+                        <a:t>            &lt;/value&gt;</a:t>
+                      </a:r>
+                    </a:p>
+                    <a:p>
+                      <a:r>
+                        <a:rPr kumimoji="1" lang="en-US" altLang="ja-JP" sz="1800" kern="1200" dirty="0" smtClean="0">
+                          <a:effectLst/>
+                        </a:rPr>
+                        <a:t>        &lt;/block&gt;</a:t>
+                      </a:r>
+                    </a:p>
+                    <a:p>
+                      <a:r>
+                        <a:rPr kumimoji="1" lang="en-US" altLang="ja-JP" sz="1800" kern="1200" dirty="0" smtClean="0">
+                          <a:effectLst/>
+                        </a:rPr>
+                        <a:t>        &lt;block type="</a:t>
+                      </a:r>
+                      <a:r>
+                        <a:rPr kumimoji="1" lang="en-US" altLang="ja-JP" sz="1800" kern="1200" dirty="0" err="1" smtClean="0">
+                          <a:effectLst/>
+                        </a:rPr>
+                        <a:t>play_sound</a:t>
+                      </a:r>
+                      <a:r>
+                        <a:rPr kumimoji="1" lang="en-US" altLang="ja-JP" sz="1800" kern="1200" dirty="0" smtClean="0">
+                          <a:effectLst/>
+                        </a:rPr>
+                        <a:t>"&gt;&lt;/block&gt;</a:t>
+                      </a:r>
+                    </a:p>
+                    <a:p>
+                      <a:r>
+                        <a:rPr kumimoji="1" lang="en-US" altLang="ja-JP" sz="1800" kern="1200" dirty="0" smtClean="0">
+                          <a:effectLst/>
+                        </a:rPr>
+                        <a:t>      &lt;/xml&gt;</a:t>
+                      </a:r>
+                    </a:p>
+                    <a:p>
+                      <a:r>
+                        <a:rPr kumimoji="1" lang="en-US" altLang="ja-JP" sz="1800" kern="1200" dirty="0" smtClean="0">
+                          <a:effectLst/>
+                        </a:rPr>
+                        <a:t>    &lt;/div&gt;</a:t>
+                      </a:r>
+                    </a:p>
+                    <a:p>
+                      <a:endParaRPr kumimoji="1" lang="en-US" altLang="ja-JP" sz="1800" kern="1200" dirty="0" smtClean="0">
+                        <a:effectLst/>
+                      </a:endParaRPr>
+                    </a:p>
+                  </a:txBody>
+                  <a:tcPr/>
+                </a:tc>
+                <a:extLst>
+                  <a:ext uri="{0D108BD9-81ED-4DB2-BD59-A6C34878D82A}">
+                    <a16:rowId xmlns:a16="http://schemas.microsoft.com/office/drawing/2014/main" val="3657542151"/>
+                  </a:ext>
+                </a:extLst>
+              </a:tr>
+            </a:tbl>
+          </a:graphicData>
+        </a:graphic>
+      </p:graphicFrame>
+    </p:spTree>
+    <p:extLst>
+      <p:ext uri="{BB962C8B-B14F-4D97-AF65-F5344CB8AC3E}">
+        <p14:creationId xmlns:p14="http://schemas.microsoft.com/office/powerpoint/2010/main" val="3079799643"/>
+      </p:ext>
+    </p:extLst>
+  </p:cSld>
+  <p:clrMapOvr>
+    <a:masterClrMapping/>
+  </p:clrMapOvr>
+  <p:timing>
+    <p:tnLst>
+      <p:par>
+        <p:cTn id="1" dur="indefinite" restart="never" nodeType="tmRoot"/>
+      </p:par>
+    </p:tnLst>
+  </p:timing>
+</p:sld>
+</file>
+
+<file path=ppt/slides/slide6.xml><?xml version="1.0" encoding="utf-8"?>
+<p:sld xmlns:a="http://schemas.openxmlformats.org/drawingml/2006/main" xmlns:r="http://schemas.openxmlformats.org/officeDocument/2006/relationships" xmlns:p="http://schemas.openxmlformats.org/presentationml/2006/main">
+  <p:cSld>
+    <p:spTree>
+      <p:nvGrpSpPr>
+        <p:cNvPr id="1" name=""/>
+        <p:cNvGrpSpPr/>
+        <p:nvPr/>
+      </p:nvGrpSpPr>
+      <p:grpSpPr>
+        <a:xfrm>
+          <a:off x="0" y="0"/>
+          <a:ext cx="0" cy="0"/>
+          <a:chOff x="0" y="0"/>
+          <a:chExt cx="0" cy="0"/>
+        </a:xfrm>
+      </p:grpSpPr>
+      <p:sp>
+        <p:nvSpPr>
+          <p:cNvPr id="2" name="タイトル 1"/>
+          <p:cNvSpPr>
+            <a:spLocks noGrp="1"/>
+          </p:cNvSpPr>
+          <p:nvPr>
+            <p:ph type="title"/>
+          </p:nvPr>
+        </p:nvSpPr>
+        <p:spPr/>
+        <p:txBody>
+          <a:bodyPr/>
+          <a:lstStyle/>
+          <a:p>
+            <a:r>
+              <a:rPr kumimoji="1" lang="en-US" altLang="ja-JP" dirty="0" err="1" smtClean="0"/>
+              <a:t>Blockly</a:t>
+            </a:r>
+            <a:r>
+              <a:rPr kumimoji="1" lang="ja-JP" altLang="en-US" dirty="0" smtClean="0"/>
+              <a:t>入門</a:t>
+            </a:r>
+            <a:endParaRPr kumimoji="1" lang="ja-JP" altLang="en-US" dirty="0"/>
+          </a:p>
+        </p:txBody>
+      </p:sp>
+      <p:graphicFrame>
+        <p:nvGraphicFramePr>
+          <p:cNvPr id="4" name="表 3"/>
+          <p:cNvGraphicFramePr>
+            <a:graphicFrameLocks noGrp="1"/>
+          </p:cNvGraphicFramePr>
+          <p:nvPr>
+            <p:extLst>
+              <p:ext uri="{D42A27DB-BD31-4B8C-83A1-F6EECF244321}">
+                <p14:modId xmlns:p14="http://schemas.microsoft.com/office/powerpoint/2010/main" val="2742760779"/>
+              </p:ext>
+            </p:extLst>
+          </p:nvPr>
+        </p:nvGraphicFramePr>
+        <p:xfrm>
+          <a:off x="1413933" y="1820333"/>
+          <a:ext cx="6096000" cy="1188720"/>
+        </p:xfrm>
+        <a:graphic>
+          <a:graphicData uri="http://schemas.openxmlformats.org/drawingml/2006/table">
+            <a:tbl>
+              <a:tblPr firstRow="1" bandRow="1">
+                <a:tableStyleId>{5940675A-B579-460E-94D1-54222C63F5DA}</a:tableStyleId>
+              </a:tblPr>
+              <a:tblGrid>
+                <a:gridCol w="6096000">
+                  <a:extLst>
+                    <a:ext uri="{9D8B030D-6E8A-4147-A177-3AD203B41FA5}">
+                      <a16:colId xmlns:a16="http://schemas.microsoft.com/office/drawing/2014/main" val="1682245979"/>
+                    </a:ext>
+                  </a:extLst>
+                </a:gridCol>
+              </a:tblGrid>
+              <a:tr h="370840">
+                <a:tc>
+                  <a:txBody>
+                    <a:bodyPr/>
+                    <a:lstStyle/>
+                    <a:p>
+                      <a:r>
+                        <a:rPr kumimoji="1" lang="en-US" altLang="ja-JP" sz="1800" b="0" kern="1200" dirty="0" smtClean="0">
+                          <a:solidFill>
+                            <a:schemeClr val="tx1"/>
+                          </a:solidFill>
+                          <a:effectLst/>
+                          <a:latin typeface="+mn-lt"/>
+                          <a:ea typeface="+mn-ea"/>
+                          <a:cs typeface="+mn-cs"/>
+                        </a:rPr>
+                        <a:t>  </a:t>
+                      </a:r>
+                      <a:r>
+                        <a:rPr kumimoji="1" lang="en-US" altLang="ja-JP" sz="1800" b="0" kern="1200" dirty="0" err="1" smtClean="0">
+                          <a:solidFill>
+                            <a:schemeClr val="tx1"/>
+                          </a:solidFill>
+                          <a:effectLst/>
+                          <a:latin typeface="+mn-lt"/>
+                          <a:ea typeface="+mn-ea"/>
+                          <a:cs typeface="+mn-cs"/>
+                        </a:rPr>
+                        <a:t>Blockly.inject</a:t>
+                      </a:r>
+                      <a:r>
+                        <a:rPr kumimoji="1" lang="en-US" altLang="ja-JP" sz="1800" b="0" kern="1200" dirty="0" smtClean="0">
+                          <a:solidFill>
+                            <a:schemeClr val="tx1"/>
+                          </a:solidFill>
+                          <a:effectLst/>
+                          <a:latin typeface="+mn-lt"/>
+                          <a:ea typeface="+mn-ea"/>
+                          <a:cs typeface="+mn-cs"/>
+                        </a:rPr>
+                        <a:t>('</a:t>
+                      </a:r>
+                      <a:r>
+                        <a:rPr kumimoji="1" lang="en-US" altLang="ja-JP" sz="1800" b="0" kern="1200" dirty="0" err="1" smtClean="0">
+                          <a:solidFill>
+                            <a:schemeClr val="tx1"/>
+                          </a:solidFill>
+                          <a:effectLst/>
+                          <a:latin typeface="+mn-lt"/>
+                          <a:ea typeface="+mn-ea"/>
+                          <a:cs typeface="+mn-cs"/>
+                        </a:rPr>
+                        <a:t>blocklyDiv</a:t>
+                      </a:r>
+                      <a:r>
+                        <a:rPr kumimoji="1" lang="en-US" altLang="ja-JP" sz="1800" b="0" kern="1200" dirty="0" smtClean="0">
+                          <a:solidFill>
+                            <a:schemeClr val="tx1"/>
+                          </a:solidFill>
+                          <a:effectLst/>
+                          <a:latin typeface="+mn-lt"/>
+                          <a:ea typeface="+mn-ea"/>
+                          <a:cs typeface="+mn-cs"/>
+                        </a:rPr>
+                        <a:t>',{</a:t>
+                      </a:r>
+                    </a:p>
+                    <a:p>
+                      <a:r>
+                        <a:rPr kumimoji="1" lang="en-US" altLang="ja-JP" sz="1800" b="0" kern="1200" dirty="0" smtClean="0">
+                          <a:solidFill>
+                            <a:schemeClr val="tx1"/>
+                          </a:solidFill>
+                          <a:effectLst/>
+                          <a:latin typeface="+mn-lt"/>
+                          <a:ea typeface="+mn-ea"/>
+                          <a:cs typeface="+mn-cs"/>
+                        </a:rPr>
+                        <a:t>    toolbox: </a:t>
+                      </a:r>
+                      <a:r>
+                        <a:rPr kumimoji="1" lang="en-US" altLang="ja-JP" sz="1800" b="0" kern="1200" dirty="0" err="1" smtClean="0">
+                          <a:solidFill>
+                            <a:schemeClr val="tx1"/>
+                          </a:solidFill>
+                          <a:effectLst/>
+                          <a:latin typeface="+mn-lt"/>
+                          <a:ea typeface="+mn-ea"/>
+                          <a:cs typeface="+mn-cs"/>
+                        </a:rPr>
+                        <a:t>document.getElementById</a:t>
+                      </a:r>
+                      <a:r>
+                        <a:rPr kumimoji="1" lang="en-US" altLang="ja-JP" sz="1800" b="0" kern="1200" dirty="0" smtClean="0">
+                          <a:solidFill>
+                            <a:schemeClr val="tx1"/>
+                          </a:solidFill>
+                          <a:effectLst/>
+                          <a:latin typeface="+mn-lt"/>
+                          <a:ea typeface="+mn-ea"/>
+                          <a:cs typeface="+mn-cs"/>
+                        </a:rPr>
+                        <a:t>('toolbox'),</a:t>
+                      </a:r>
+                    </a:p>
+                    <a:p>
+                      <a:r>
+                        <a:rPr kumimoji="1" lang="en-US" altLang="ja-JP" sz="1800" b="0" kern="1200" dirty="0" smtClean="0">
+                          <a:solidFill>
+                            <a:schemeClr val="tx1"/>
+                          </a:solidFill>
+                          <a:effectLst/>
+                          <a:latin typeface="+mn-lt"/>
+                          <a:ea typeface="+mn-ea"/>
+                          <a:cs typeface="+mn-cs"/>
+                        </a:rPr>
+                        <a:t>    scrollbars: false</a:t>
+                      </a:r>
+                    </a:p>
+                    <a:p>
+                      <a:r>
+                        <a:rPr kumimoji="1" lang="en-US" altLang="ja-JP" sz="1800" b="0" kern="1200" dirty="0" smtClean="0">
+                          <a:solidFill>
+                            <a:schemeClr val="tx1"/>
+                          </a:solidFill>
+                          <a:effectLst/>
+                          <a:latin typeface="+mn-lt"/>
+                          <a:ea typeface="+mn-ea"/>
+                          <a:cs typeface="+mn-cs"/>
+                        </a:rPr>
+                        <a:t>  });</a:t>
+                      </a:r>
+                      <a:endParaRPr kumimoji="1" lang="en-US" altLang="ja-JP" sz="1800" b="0" kern="1200" dirty="0">
+                        <a:solidFill>
+                          <a:schemeClr val="tx1"/>
+                        </a:solidFill>
+                        <a:effectLst/>
+                        <a:latin typeface="+mn-lt"/>
+                        <a:ea typeface="+mn-ea"/>
+                        <a:cs typeface="+mn-cs"/>
+                      </a:endParaRPr>
+                    </a:p>
+                  </a:txBody>
+                  <a:tcPr/>
+                </a:tc>
+                <a:extLst>
+                  <a:ext uri="{0D108BD9-81ED-4DB2-BD59-A6C34878D82A}">
+                    <a16:rowId xmlns:a16="http://schemas.microsoft.com/office/drawing/2014/main" val="3657542151"/>
+                  </a:ext>
+                </a:extLst>
+              </a:tr>
+            </a:tbl>
+          </a:graphicData>
+        </a:graphic>
+      </p:graphicFrame>
+    </p:spTree>
+    <p:extLst>
+      <p:ext uri="{BB962C8B-B14F-4D97-AF65-F5344CB8AC3E}">
+        <p14:creationId xmlns:p14="http://schemas.microsoft.com/office/powerpoint/2010/main" val="2634932237"/>
+      </p:ext>
+    </p:extLst>
+  </p:cSld>
+  <p:clrMapOvr>
+    <a:masterClrMapping/>
+  </p:clrMapOvr>
+  <p:timing>
+    <p:tnLst>
+      <p:par>
+        <p:cTn id="1" dur="indefinite" restart="never" nodeType="tmRoot"/>
+      </p:par>
+    </p:tnLst>
+  </p:timing>
+</p:sld>
+</file>
+
+<file path=ppt/slides/slide7.xml><?xml version="1.0" encoding="utf-8"?>
+<p:sld xmlns:a="http://schemas.openxmlformats.org/drawingml/2006/main" xmlns:r="http://schemas.openxmlformats.org/officeDocument/2006/relationships" xmlns:p="http://schemas.openxmlformats.org/presentationml/2006/main">
+  <p:cSld>
+    <p:spTree>
+      <p:nvGrpSpPr>
+        <p:cNvPr id="1" name=""/>
+        <p:cNvGrpSpPr/>
+        <p:nvPr/>
+      </p:nvGrpSpPr>
+      <p:grpSpPr>
+        <a:xfrm>
+          <a:off x="0" y="0"/>
+          <a:ext cx="0" cy="0"/>
+          <a:chOff x="0" y="0"/>
+          <a:chExt cx="0" cy="0"/>
+        </a:xfrm>
+      </p:grpSpPr>
+      <p:sp>
+        <p:nvSpPr>
+          <p:cNvPr id="2" name="タイトル 1"/>
+          <p:cNvSpPr>
+            <a:spLocks noGrp="1"/>
+          </p:cNvSpPr>
+          <p:nvPr>
+            <p:ph type="title"/>
+          </p:nvPr>
+        </p:nvSpPr>
+        <p:spPr/>
+        <p:txBody>
+          <a:bodyPr/>
+          <a:lstStyle/>
+          <a:p>
+            <a:r>
+              <a:rPr kumimoji="1" lang="en-US" altLang="ja-JP" dirty="0" err="1" smtClean="0"/>
+              <a:t>Blockly</a:t>
+            </a:r>
+            <a:r>
+              <a:rPr kumimoji="1" lang="ja-JP" altLang="en-US" dirty="0" smtClean="0"/>
+              <a:t>入門</a:t>
+            </a:r>
+            <a:endParaRPr kumimoji="1" lang="ja-JP" altLang="en-US" dirty="0"/>
+          </a:p>
+        </p:txBody>
+      </p:sp>
+      <p:graphicFrame>
+        <p:nvGraphicFramePr>
+          <p:cNvPr id="4" name="表 3"/>
+          <p:cNvGraphicFramePr>
+            <a:graphicFrameLocks noGrp="1"/>
+          </p:cNvGraphicFramePr>
+          <p:nvPr>
+            <p:extLst>
+              <p:ext uri="{D42A27DB-BD31-4B8C-83A1-F6EECF244321}">
+                <p14:modId xmlns:p14="http://schemas.microsoft.com/office/powerpoint/2010/main" val="605314841"/>
+              </p:ext>
+            </p:extLst>
+          </p:nvPr>
+        </p:nvGraphicFramePr>
+        <p:xfrm>
+          <a:off x="1524000" y="1397000"/>
+          <a:ext cx="6096000" cy="7498080"/>
+        </p:xfrm>
+        <a:graphic>
+          <a:graphicData uri="http://schemas.openxmlformats.org/drawingml/2006/table">
+            <a:tbl>
+              <a:tblPr firstRow="1" bandRow="1">
+                <a:tableStyleId>{5940675A-B579-460E-94D1-54222C63F5DA}</a:tableStyleId>
+              </a:tblPr>
+              <a:tblGrid>
+                <a:gridCol w="6096000">
+                  <a:extLst>
+                    <a:ext uri="{9D8B030D-6E8A-4147-A177-3AD203B41FA5}">
+                      <a16:colId xmlns:a16="http://schemas.microsoft.com/office/drawing/2014/main" val="1682245979"/>
+                    </a:ext>
+                  </a:extLst>
+                </a:gridCol>
+              </a:tblGrid>
+              <a:tr h="370840">
+                <a:tc>
+                  <a:txBody>
+                    <a:bodyPr/>
+                    <a:lstStyle/>
+                    <a:p>
+                      <a:r>
+                        <a:rPr kumimoji="1" lang="en-US" altLang="ja-JP" sz="1800" b="0" kern="1200" dirty="0" err="1" smtClean="0">
+                          <a:solidFill>
+                            <a:schemeClr val="tx1"/>
+                          </a:solidFill>
+                          <a:effectLst/>
+                          <a:latin typeface="+mn-lt"/>
+                          <a:ea typeface="+mn-ea"/>
+                          <a:cs typeface="+mn-cs"/>
+                        </a:rPr>
+                        <a:t>Blockly.defineBlocksWithJsonArray</a:t>
+                      </a:r>
+                      <a:r>
+                        <a:rPr kumimoji="1" lang="en-US" altLang="ja-JP" sz="1800" b="0" kern="1200" dirty="0" smtClean="0">
+                          <a:solidFill>
+                            <a:schemeClr val="tx1"/>
+                          </a:solidFill>
+                          <a:effectLst/>
+                          <a:latin typeface="+mn-lt"/>
+                          <a:ea typeface="+mn-ea"/>
+                          <a:cs typeface="+mn-cs"/>
+                        </a:rPr>
+                        <a:t>([</a:t>
+                      </a:r>
+                    </a:p>
+                    <a:p>
+                      <a:r>
+                        <a:rPr kumimoji="1" lang="en-US" altLang="ja-JP" sz="1800" b="0" kern="1200" dirty="0" smtClean="0">
+                          <a:solidFill>
+                            <a:schemeClr val="tx1"/>
+                          </a:solidFill>
+                          <a:effectLst/>
+                          <a:latin typeface="+mn-lt"/>
+                          <a:ea typeface="+mn-ea"/>
+                          <a:cs typeface="+mn-cs"/>
+                        </a:rPr>
+                        <a:t>    {</a:t>
+                      </a:r>
+                    </a:p>
+                    <a:p>
+                      <a:r>
+                        <a:rPr kumimoji="1" lang="en-US" altLang="ja-JP" sz="1800" b="0" kern="1200" dirty="0" smtClean="0">
+                          <a:solidFill>
+                            <a:schemeClr val="tx1"/>
+                          </a:solidFill>
+                          <a:effectLst/>
+                          <a:latin typeface="+mn-lt"/>
+                          <a:ea typeface="+mn-ea"/>
+                          <a:cs typeface="+mn-cs"/>
+                        </a:rPr>
+                        <a:t>        "type": "</a:t>
+                      </a:r>
+                      <a:r>
+                        <a:rPr kumimoji="1" lang="en-US" altLang="ja-JP" sz="1800" b="0" kern="1200" dirty="0" err="1" smtClean="0">
+                          <a:solidFill>
+                            <a:schemeClr val="tx1"/>
+                          </a:solidFill>
+                          <a:effectLst/>
+                          <a:latin typeface="+mn-lt"/>
+                          <a:ea typeface="+mn-ea"/>
+                          <a:cs typeface="+mn-cs"/>
+                        </a:rPr>
+                        <a:t>play_sound</a:t>
+                      </a:r>
+                      <a:r>
+                        <a:rPr kumimoji="1" lang="en-US" altLang="ja-JP" sz="1800" b="0" kern="1200" dirty="0" smtClean="0">
+                          <a:solidFill>
+                            <a:schemeClr val="tx1"/>
+                          </a:solidFill>
+                          <a:effectLst/>
+                          <a:latin typeface="+mn-lt"/>
+                          <a:ea typeface="+mn-ea"/>
+                          <a:cs typeface="+mn-cs"/>
+                        </a:rPr>
+                        <a:t>",</a:t>
+                      </a:r>
+                    </a:p>
+                    <a:p>
+                      <a:r>
+                        <a:rPr kumimoji="1" lang="en-US" altLang="ja-JP" sz="1800" b="0" kern="1200" dirty="0" smtClean="0">
+                          <a:solidFill>
+                            <a:schemeClr val="tx1"/>
+                          </a:solidFill>
+                          <a:effectLst/>
+                          <a:latin typeface="+mn-lt"/>
+                          <a:ea typeface="+mn-ea"/>
+                          <a:cs typeface="+mn-cs"/>
+                        </a:rPr>
+                        <a:t>        "message0": "play %1",</a:t>
+                      </a:r>
+                    </a:p>
+                    <a:p>
+                      <a:r>
+                        <a:rPr kumimoji="1" lang="en-US" altLang="ja-JP" sz="1800" b="0" kern="1200" dirty="0" smtClean="0">
+                          <a:solidFill>
+                            <a:schemeClr val="tx1"/>
+                          </a:solidFill>
+                          <a:effectLst/>
+                          <a:latin typeface="+mn-lt"/>
+                          <a:ea typeface="+mn-ea"/>
+                          <a:cs typeface="+mn-cs"/>
+                        </a:rPr>
+                        <a:t>        "args0": [</a:t>
+                      </a:r>
+                    </a:p>
+                    <a:p>
+                      <a:r>
+                        <a:rPr kumimoji="1" lang="en-US" altLang="ja-JP" sz="1800" b="0" kern="1200" dirty="0" smtClean="0">
+                          <a:solidFill>
+                            <a:schemeClr val="tx1"/>
+                          </a:solidFill>
+                          <a:effectLst/>
+                          <a:latin typeface="+mn-lt"/>
+                          <a:ea typeface="+mn-ea"/>
+                          <a:cs typeface="+mn-cs"/>
+                        </a:rPr>
+                        <a:t>            {</a:t>
+                      </a:r>
+                    </a:p>
+                    <a:p>
+                      <a:r>
+                        <a:rPr kumimoji="1" lang="en-US" altLang="ja-JP" sz="1800" b="0" kern="1200" dirty="0" smtClean="0">
+                          <a:solidFill>
+                            <a:schemeClr val="tx1"/>
+                          </a:solidFill>
+                          <a:effectLst/>
+                          <a:latin typeface="+mn-lt"/>
+                          <a:ea typeface="+mn-ea"/>
+                          <a:cs typeface="+mn-cs"/>
+                        </a:rPr>
+                        <a:t>                "type": "</a:t>
+                      </a:r>
+                      <a:r>
+                        <a:rPr kumimoji="1" lang="en-US" altLang="ja-JP" sz="1800" b="0" kern="1200" dirty="0" err="1" smtClean="0">
+                          <a:solidFill>
+                            <a:schemeClr val="tx1"/>
+                          </a:solidFill>
+                          <a:effectLst/>
+                          <a:latin typeface="+mn-lt"/>
+                          <a:ea typeface="+mn-ea"/>
+                          <a:cs typeface="+mn-cs"/>
+                        </a:rPr>
+                        <a:t>field_dropdown</a:t>
+                      </a:r>
+                      <a:r>
+                        <a:rPr kumimoji="1" lang="en-US" altLang="ja-JP" sz="1800" b="0" kern="1200" dirty="0" smtClean="0">
+                          <a:solidFill>
+                            <a:schemeClr val="tx1"/>
+                          </a:solidFill>
+                          <a:effectLst/>
+                          <a:latin typeface="+mn-lt"/>
+                          <a:ea typeface="+mn-ea"/>
+                          <a:cs typeface="+mn-cs"/>
+                        </a:rPr>
+                        <a:t>",</a:t>
+                      </a:r>
+                    </a:p>
+                    <a:p>
+                      <a:r>
+                        <a:rPr kumimoji="1" lang="en-US" altLang="ja-JP" sz="1800" b="0" kern="1200" dirty="0" smtClean="0">
+                          <a:solidFill>
+                            <a:schemeClr val="tx1"/>
+                          </a:solidFill>
+                          <a:effectLst/>
+                          <a:latin typeface="+mn-lt"/>
+                          <a:ea typeface="+mn-ea"/>
+                          <a:cs typeface="+mn-cs"/>
+                        </a:rPr>
+                        <a:t>                "name": "VALUE",</a:t>
+                      </a:r>
+                    </a:p>
+                    <a:p>
+                      <a:r>
+                        <a:rPr kumimoji="1" lang="en-US" altLang="ja-JP" sz="1800" b="0" kern="1200" dirty="0" smtClean="0">
+                          <a:solidFill>
+                            <a:schemeClr val="tx1"/>
+                          </a:solidFill>
+                          <a:effectLst/>
+                          <a:latin typeface="+mn-lt"/>
+                          <a:ea typeface="+mn-ea"/>
+                          <a:cs typeface="+mn-cs"/>
+                        </a:rPr>
+                        <a:t>                "options": [</a:t>
+                      </a:r>
+                    </a:p>
+                    <a:p>
+                      <a:r>
+                        <a:rPr kumimoji="1" lang="en-US" altLang="ja-JP" sz="1800" b="0" kern="1200" dirty="0" smtClean="0">
+                          <a:solidFill>
+                            <a:schemeClr val="tx1"/>
+                          </a:solidFill>
+                          <a:effectLst/>
+                          <a:latin typeface="+mn-lt"/>
+                          <a:ea typeface="+mn-ea"/>
+                          <a:cs typeface="+mn-cs"/>
+                        </a:rPr>
+                        <a:t>                    ["C4", "sounds/c4.m4a"],</a:t>
+                      </a:r>
+                    </a:p>
+                    <a:p>
+                      <a:r>
+                        <a:rPr kumimoji="1" lang="en-US" altLang="ja-JP" sz="1800" b="0" kern="1200" dirty="0" smtClean="0">
+                          <a:solidFill>
+                            <a:schemeClr val="tx1"/>
+                          </a:solidFill>
+                          <a:effectLst/>
+                          <a:latin typeface="+mn-lt"/>
+                          <a:ea typeface="+mn-ea"/>
+                          <a:cs typeface="+mn-cs"/>
+                        </a:rPr>
+                        <a:t>                    ["D4", "sounds/d4.m4a"],</a:t>
+                      </a:r>
+                    </a:p>
+                    <a:p>
+                      <a:r>
+                        <a:rPr kumimoji="1" lang="en-US" altLang="ja-JP" sz="1800" b="0" kern="1200" dirty="0" smtClean="0">
+                          <a:solidFill>
+                            <a:schemeClr val="tx1"/>
+                          </a:solidFill>
+                          <a:effectLst/>
+                          <a:latin typeface="+mn-lt"/>
+                          <a:ea typeface="+mn-ea"/>
+                          <a:cs typeface="+mn-cs"/>
+                        </a:rPr>
+                        <a:t>                    ["E4", "sounds/e4.m4a"],</a:t>
+                      </a:r>
+                    </a:p>
+                    <a:p>
+                      <a:r>
+                        <a:rPr kumimoji="1" lang="en-US" altLang="ja-JP" sz="1800" b="0" kern="1200" dirty="0" smtClean="0">
+                          <a:solidFill>
+                            <a:schemeClr val="tx1"/>
+                          </a:solidFill>
+                          <a:effectLst/>
+                          <a:latin typeface="+mn-lt"/>
+                          <a:ea typeface="+mn-ea"/>
+                          <a:cs typeface="+mn-cs"/>
+                        </a:rPr>
+                        <a:t>                    ["F4", "sounds/f4.m4a"],</a:t>
+                      </a:r>
+                    </a:p>
+                    <a:p>
+                      <a:r>
+                        <a:rPr kumimoji="1" lang="en-US" altLang="ja-JP" sz="1800" b="0" kern="1200" dirty="0" smtClean="0">
+                          <a:solidFill>
+                            <a:schemeClr val="tx1"/>
+                          </a:solidFill>
+                          <a:effectLst/>
+                          <a:latin typeface="+mn-lt"/>
+                          <a:ea typeface="+mn-ea"/>
+                          <a:cs typeface="+mn-cs"/>
+                        </a:rPr>
+                        <a:t>                    ["G4", "sounds/g4.m4a"]</a:t>
+                      </a:r>
+                    </a:p>
+                    <a:p>
+                      <a:r>
+                        <a:rPr kumimoji="1" lang="en-US" altLang="ja-JP" sz="1800" b="0" kern="1200" dirty="0" smtClean="0">
+                          <a:solidFill>
+                            <a:schemeClr val="tx1"/>
+                          </a:solidFill>
+                          <a:effectLst/>
+                          <a:latin typeface="+mn-lt"/>
+                          <a:ea typeface="+mn-ea"/>
+                          <a:cs typeface="+mn-cs"/>
+                        </a:rPr>
+                        <a:t>                ]</a:t>
+                      </a:r>
+                    </a:p>
+                    <a:p>
+                      <a:r>
+                        <a:rPr kumimoji="1" lang="en-US" altLang="ja-JP" sz="1800" b="0" kern="1200" dirty="0" smtClean="0">
+                          <a:solidFill>
+                            <a:schemeClr val="tx1"/>
+                          </a:solidFill>
+                          <a:effectLst/>
+                          <a:latin typeface="+mn-lt"/>
+                          <a:ea typeface="+mn-ea"/>
+                          <a:cs typeface="+mn-cs"/>
+                        </a:rPr>
+                        <a:t>            }</a:t>
+                      </a:r>
+                    </a:p>
+                    <a:p>
+                      <a:r>
+                        <a:rPr kumimoji="1" lang="en-US" altLang="ja-JP" sz="1800" b="0" kern="1200" dirty="0" smtClean="0">
+                          <a:solidFill>
+                            <a:schemeClr val="tx1"/>
+                          </a:solidFill>
+                          <a:effectLst/>
+                          <a:latin typeface="+mn-lt"/>
+                          <a:ea typeface="+mn-ea"/>
+                          <a:cs typeface="+mn-cs"/>
+                        </a:rPr>
+                        <a:t>        ],</a:t>
+                      </a:r>
+                    </a:p>
+                    <a:p>
+                      <a:r>
+                        <a:rPr kumimoji="1" lang="en-US" altLang="ja-JP" sz="1800" b="0" kern="1200" dirty="0" smtClean="0">
+                          <a:solidFill>
+                            <a:schemeClr val="tx1"/>
+                          </a:solidFill>
+                          <a:effectLst/>
+                          <a:latin typeface="+mn-lt"/>
+                          <a:ea typeface="+mn-ea"/>
+                          <a:cs typeface="+mn-cs"/>
+                        </a:rPr>
+                        <a:t>        "</a:t>
+                      </a:r>
+                      <a:r>
+                        <a:rPr kumimoji="1" lang="en-US" altLang="ja-JP" sz="1800" b="0" kern="1200" dirty="0" err="1" smtClean="0">
+                          <a:solidFill>
+                            <a:schemeClr val="tx1"/>
+                          </a:solidFill>
+                          <a:effectLst/>
+                          <a:latin typeface="+mn-lt"/>
+                          <a:ea typeface="+mn-ea"/>
+                          <a:cs typeface="+mn-cs"/>
+                        </a:rPr>
+                        <a:t>previousStatement</a:t>
+                      </a:r>
+                      <a:r>
+                        <a:rPr kumimoji="1" lang="en-US" altLang="ja-JP" sz="1800" b="0" kern="1200" dirty="0" smtClean="0">
+                          <a:solidFill>
+                            <a:schemeClr val="tx1"/>
+                          </a:solidFill>
+                          <a:effectLst/>
+                          <a:latin typeface="+mn-lt"/>
+                          <a:ea typeface="+mn-ea"/>
+                          <a:cs typeface="+mn-cs"/>
+                        </a:rPr>
+                        <a:t>": null,</a:t>
+                      </a:r>
+                    </a:p>
+                    <a:p>
+                      <a:r>
+                        <a:rPr kumimoji="1" lang="en-US" altLang="ja-JP" sz="1800" b="0" kern="1200" dirty="0" smtClean="0">
+                          <a:solidFill>
+                            <a:schemeClr val="tx1"/>
+                          </a:solidFill>
+                          <a:effectLst/>
+                          <a:latin typeface="+mn-lt"/>
+                          <a:ea typeface="+mn-ea"/>
+                          <a:cs typeface="+mn-cs"/>
+                        </a:rPr>
+                        <a:t>        "</a:t>
+                      </a:r>
+                      <a:r>
+                        <a:rPr kumimoji="1" lang="en-US" altLang="ja-JP" sz="1800" b="0" kern="1200" dirty="0" err="1" smtClean="0">
+                          <a:solidFill>
+                            <a:schemeClr val="tx1"/>
+                          </a:solidFill>
+                          <a:effectLst/>
+                          <a:latin typeface="+mn-lt"/>
+                          <a:ea typeface="+mn-ea"/>
+                          <a:cs typeface="+mn-cs"/>
+                        </a:rPr>
+                        <a:t>nextStatement</a:t>
+                      </a:r>
+                      <a:r>
+                        <a:rPr kumimoji="1" lang="en-US" altLang="ja-JP" sz="1800" b="0" kern="1200" dirty="0" smtClean="0">
+                          <a:solidFill>
+                            <a:schemeClr val="tx1"/>
+                          </a:solidFill>
+                          <a:effectLst/>
+                          <a:latin typeface="+mn-lt"/>
+                          <a:ea typeface="+mn-ea"/>
+                          <a:cs typeface="+mn-cs"/>
+                        </a:rPr>
+                        <a:t>": null,</a:t>
+                      </a:r>
+                    </a:p>
+                    <a:p>
+                      <a:r>
+                        <a:rPr kumimoji="1" lang="en-US" altLang="ja-JP" sz="1800" b="0" kern="1200" dirty="0" smtClean="0">
+                          <a:solidFill>
+                            <a:schemeClr val="tx1"/>
+                          </a:solidFill>
+                          <a:effectLst/>
+                          <a:latin typeface="+mn-lt"/>
+                          <a:ea typeface="+mn-ea"/>
+                          <a:cs typeface="+mn-cs"/>
+                        </a:rPr>
+                        <a:t>        "</a:t>
+                      </a:r>
+                      <a:r>
+                        <a:rPr kumimoji="1" lang="en-US" altLang="ja-JP" sz="1800" b="0" kern="1200" dirty="0" err="1" smtClean="0">
+                          <a:solidFill>
+                            <a:schemeClr val="tx1"/>
+                          </a:solidFill>
+                          <a:effectLst/>
+                          <a:latin typeface="+mn-lt"/>
+                          <a:ea typeface="+mn-ea"/>
+                          <a:cs typeface="+mn-cs"/>
+                        </a:rPr>
+                        <a:t>colour</a:t>
+                      </a:r>
+                      <a:r>
+                        <a:rPr kumimoji="1" lang="en-US" altLang="ja-JP" sz="1800" b="0" kern="1200" dirty="0" smtClean="0">
+                          <a:solidFill>
+                            <a:schemeClr val="tx1"/>
+                          </a:solidFill>
+                          <a:effectLst/>
+                          <a:latin typeface="+mn-lt"/>
+                          <a:ea typeface="+mn-ea"/>
+                          <a:cs typeface="+mn-cs"/>
+                        </a:rPr>
+                        <a:t>": 355</a:t>
+                      </a:r>
+                    </a:p>
+                    <a:p>
+                      <a:r>
+                        <a:rPr kumimoji="1" lang="en-US" altLang="ja-JP" sz="1800" b="0" kern="1200" dirty="0" smtClean="0">
+                          <a:solidFill>
+                            <a:schemeClr val="tx1"/>
+                          </a:solidFill>
+                          <a:effectLst/>
+                          <a:latin typeface="+mn-lt"/>
+                          <a:ea typeface="+mn-ea"/>
+                          <a:cs typeface="+mn-cs"/>
+                        </a:rPr>
+                        <a:t>    }</a:t>
+                      </a:r>
+                    </a:p>
+                    <a:p>
+                      <a:r>
+                        <a:rPr kumimoji="1" lang="en-US" altLang="ja-JP" sz="1800" b="0" kern="1200" dirty="0" smtClean="0">
+                          <a:solidFill>
+                            <a:schemeClr val="tx1"/>
+                          </a:solidFill>
+                          <a:effectLst/>
+                          <a:latin typeface="+mn-lt"/>
+                          <a:ea typeface="+mn-ea"/>
+                          <a:cs typeface="+mn-cs"/>
+                        </a:rPr>
+                        <a:t>]);</a:t>
+                      </a:r>
+                    </a:p>
+                    <a:p>
+                      <a:r>
+                        <a:rPr kumimoji="1" lang="en-US" altLang="ja-JP" sz="1800" b="0" kern="1200" dirty="0" smtClean="0">
+                          <a:solidFill>
+                            <a:schemeClr val="tx1"/>
+                          </a:solidFill>
+                          <a:effectLst/>
+                          <a:latin typeface="+mn-lt"/>
+                          <a:ea typeface="+mn-ea"/>
+                          <a:cs typeface="+mn-cs"/>
+                        </a:rPr>
+                        <a:t/>
+                      </a:r>
+                      <a:br>
+                        <a:rPr kumimoji="1" lang="en-US" altLang="ja-JP" sz="1800" b="0" kern="1200" dirty="0" smtClean="0">
+                          <a:solidFill>
+                            <a:schemeClr val="tx1"/>
+                          </a:solidFill>
+                          <a:effectLst/>
+                          <a:latin typeface="+mn-lt"/>
+                          <a:ea typeface="+mn-ea"/>
+                          <a:cs typeface="+mn-cs"/>
+                        </a:rPr>
+                      </a:br>
+                      <a:r>
+                        <a:rPr kumimoji="1" lang="en-US" altLang="ja-JP" sz="1800" b="0" kern="1200" dirty="0" err="1" smtClean="0">
+                          <a:solidFill>
+                            <a:schemeClr val="tx1"/>
+                          </a:solidFill>
+                          <a:effectLst/>
+                          <a:latin typeface="+mn-lt"/>
+                          <a:ea typeface="+mn-ea"/>
+                          <a:cs typeface="+mn-cs"/>
+                        </a:rPr>
+                        <a:t>Blockly.JavaScript</a:t>
+                      </a:r>
+                      <a:r>
+                        <a:rPr kumimoji="1" lang="en-US" altLang="ja-JP" sz="1800" b="0" kern="1200" dirty="0" smtClean="0">
+                          <a:solidFill>
+                            <a:schemeClr val="tx1"/>
+                          </a:solidFill>
+                          <a:effectLst/>
+                          <a:latin typeface="+mn-lt"/>
+                          <a:ea typeface="+mn-ea"/>
+                          <a:cs typeface="+mn-cs"/>
+                        </a:rPr>
+                        <a:t>['</a:t>
+                      </a:r>
+                      <a:r>
+                        <a:rPr kumimoji="1" lang="en-US" altLang="ja-JP" sz="1800" b="0" kern="1200" dirty="0" err="1" smtClean="0">
+                          <a:solidFill>
+                            <a:schemeClr val="tx1"/>
+                          </a:solidFill>
+                          <a:effectLst/>
+                          <a:latin typeface="+mn-lt"/>
+                          <a:ea typeface="+mn-ea"/>
+                          <a:cs typeface="+mn-cs"/>
+                        </a:rPr>
+                        <a:t>play_sound</a:t>
+                      </a:r>
+                      <a:r>
+                        <a:rPr kumimoji="1" lang="en-US" altLang="ja-JP" sz="1800" b="0" kern="1200" dirty="0" smtClean="0">
+                          <a:solidFill>
+                            <a:schemeClr val="tx1"/>
+                          </a:solidFill>
+                          <a:effectLst/>
+                          <a:latin typeface="+mn-lt"/>
+                          <a:ea typeface="+mn-ea"/>
+                          <a:cs typeface="+mn-cs"/>
+                        </a:rPr>
+                        <a:t>'] = function(block){</a:t>
+                      </a:r>
+                    </a:p>
+                    <a:p>
+                      <a:r>
+                        <a:rPr kumimoji="1" lang="en-US" altLang="ja-JP" sz="1800" b="0" kern="1200" dirty="0" smtClean="0">
+                          <a:solidFill>
+                            <a:schemeClr val="tx1"/>
+                          </a:solidFill>
+                          <a:effectLst/>
+                          <a:latin typeface="+mn-lt"/>
+                          <a:ea typeface="+mn-ea"/>
+                          <a:cs typeface="+mn-cs"/>
+                        </a:rPr>
+                        <a:t>    let value = '\'' + </a:t>
+                      </a:r>
+                      <a:r>
+                        <a:rPr kumimoji="1" lang="en-US" altLang="ja-JP" sz="1800" b="0" kern="1200" dirty="0" err="1" smtClean="0">
+                          <a:solidFill>
+                            <a:schemeClr val="tx1"/>
+                          </a:solidFill>
+                          <a:effectLst/>
+                          <a:latin typeface="+mn-lt"/>
+                          <a:ea typeface="+mn-ea"/>
+                          <a:cs typeface="+mn-cs"/>
+                        </a:rPr>
+                        <a:t>block.getFieldValue</a:t>
+                      </a:r>
+                      <a:r>
+                        <a:rPr kumimoji="1" lang="en-US" altLang="ja-JP" sz="1800" b="0" kern="1200" dirty="0" smtClean="0">
+                          <a:solidFill>
+                            <a:schemeClr val="tx1"/>
+                          </a:solidFill>
+                          <a:effectLst/>
+                          <a:latin typeface="+mn-lt"/>
+                          <a:ea typeface="+mn-ea"/>
+                          <a:cs typeface="+mn-cs"/>
+                        </a:rPr>
+                        <a:t>('VALUE') + '\'';</a:t>
+                      </a:r>
+                    </a:p>
+                    <a:p>
+                      <a:r>
+                        <a:rPr kumimoji="1" lang="en-US" altLang="ja-JP" sz="1800" b="0" kern="1200" dirty="0" smtClean="0">
+                          <a:solidFill>
+                            <a:schemeClr val="tx1"/>
+                          </a:solidFill>
+                          <a:effectLst/>
+                          <a:latin typeface="+mn-lt"/>
+                          <a:ea typeface="+mn-ea"/>
+                          <a:cs typeface="+mn-cs"/>
+                        </a:rPr>
+                        <a:t>    return '</a:t>
+                      </a:r>
+                      <a:r>
+                        <a:rPr kumimoji="1" lang="en-US" altLang="ja-JP" sz="1800" b="0" kern="1200" dirty="0" err="1" smtClean="0">
+                          <a:solidFill>
+                            <a:schemeClr val="tx1"/>
+                          </a:solidFill>
+                          <a:effectLst/>
+                          <a:latin typeface="+mn-lt"/>
+                          <a:ea typeface="+mn-ea"/>
+                          <a:cs typeface="+mn-cs"/>
+                        </a:rPr>
+                        <a:t>MusicMaker.queueSound</a:t>
+                      </a:r>
+                      <a:r>
+                        <a:rPr kumimoji="1" lang="en-US" altLang="ja-JP" sz="1800" b="0" kern="1200" dirty="0" smtClean="0">
+                          <a:solidFill>
+                            <a:schemeClr val="tx1"/>
+                          </a:solidFill>
+                          <a:effectLst/>
+                          <a:latin typeface="+mn-lt"/>
+                          <a:ea typeface="+mn-ea"/>
+                          <a:cs typeface="+mn-cs"/>
+                        </a:rPr>
+                        <a:t>(' + value + ');\n';</a:t>
+                      </a:r>
+                    </a:p>
+                    <a:p>
+                      <a:r>
+                        <a:rPr kumimoji="1" lang="en-US" altLang="ja-JP" sz="1800" b="0" kern="1200" dirty="0" smtClean="0">
+                          <a:solidFill>
+                            <a:schemeClr val="tx1"/>
+                          </a:solidFill>
+                          <a:effectLst/>
+                          <a:latin typeface="+mn-lt"/>
+                          <a:ea typeface="+mn-ea"/>
+                          <a:cs typeface="+mn-cs"/>
+                        </a:rPr>
+                        <a:t>};</a:t>
+                      </a:r>
+                      <a:endParaRPr kumimoji="1" lang="en-US" altLang="ja-JP" sz="1800" b="0" kern="1200" dirty="0">
+                        <a:solidFill>
+                          <a:schemeClr val="tx1"/>
+                        </a:solidFill>
+                        <a:effectLst/>
+                        <a:latin typeface="+mn-lt"/>
+                        <a:ea typeface="+mn-ea"/>
+                        <a:cs typeface="+mn-cs"/>
+                      </a:endParaRPr>
+                    </a:p>
+                  </a:txBody>
+                  <a:tcPr/>
+                </a:tc>
+                <a:extLst>
+                  <a:ext uri="{0D108BD9-81ED-4DB2-BD59-A6C34878D82A}">
+                    <a16:rowId xmlns:a16="http://schemas.microsoft.com/office/drawing/2014/main" val="3657542151"/>
+                  </a:ext>
+                </a:extLst>
+              </a:tr>
+            </a:tbl>
+          </a:graphicData>
+        </a:graphic>
+      </p:graphicFrame>
+    </p:spTree>
+    <p:extLst>
+      <p:ext uri="{BB962C8B-B14F-4D97-AF65-F5344CB8AC3E}">
+        <p14:creationId xmlns:p14="http://schemas.microsoft.com/office/powerpoint/2010/main" val="4154625803"/>
+      </p:ext>
+    </p:extLst>
+  </p:cSld>
+  <p:clrMapOvr>
+    <a:masterClrMapping/>
+  </p:clrMapOvr>
+  <p:timing>
+    <p:tnLst>
+      <p:par>
+        <p:cTn id="1" dur="indefinite" restart="never" nodeType="tmRoot"/>
+      </p:par>
+    </p:tnLst>
+  </p:timing>
+</p:sld>
+</file>
+
+<file path=ppt/slides/slide8.xml><?xml version="1.0" encoding="utf-8"?>
+<p:sld xmlns:a="http://schemas.openxmlformats.org/drawingml/2006/main" xmlns:r="http://schemas.openxmlformats.org/officeDocument/2006/relationships" xmlns:p="http://schemas.openxmlformats.org/presentationml/2006/main">
+  <p:cSld>
+    <p:spTree>
+      <p:nvGrpSpPr>
+        <p:cNvPr id="1" name=""/>
+        <p:cNvGrpSpPr/>
+        <p:nvPr/>
+      </p:nvGrpSpPr>
+      <p:grpSpPr>
+        <a:xfrm>
+          <a:off x="0" y="0"/>
+          <a:ext cx="0" cy="0"/>
+          <a:chOff x="0" y="0"/>
+          <a:chExt cx="0" cy="0"/>
+        </a:xfrm>
+      </p:grpSpPr>
+      <p:sp>
+        <p:nvSpPr>
+          <p:cNvPr id="2" name="タイトル 1"/>
+          <p:cNvSpPr>
+            <a:spLocks noGrp="1"/>
+          </p:cNvSpPr>
+          <p:nvPr>
+            <p:ph type="title"/>
+          </p:nvPr>
+        </p:nvSpPr>
+        <p:spPr/>
+        <p:txBody>
+          <a:bodyPr/>
+          <a:lstStyle/>
+          <a:p>
+            <a:r>
               <a:rPr lang="ja-JP" altLang="en-US" dirty="0" smtClean="0"/>
               <a:t>今週の進捗と来週以降</a:t>
             </a:r>
@@ -3816,7 +5128,7 @@
         <p:spPr/>
         <p:txBody>
           <a:bodyPr>
-            <a:normAutofit lnSpcReduction="10000"/>
+            <a:normAutofit fontScale="85000" lnSpcReduction="20000"/>
           </a:bodyPr>
           <a:lstStyle/>
           <a:p>
@@ -3902,7 +5214,29 @@
             </a:r>
             <a:r>
               <a:rPr lang="ja-JP" altLang="en-US" dirty="0" smtClean="0"/>
-              <a:t>の勉強を進める</a:t>
+              <a:t>の勉強を</a:t>
+            </a:r>
+            <a:r>
+              <a:rPr lang="ja-JP" altLang="en-US" dirty="0" smtClean="0"/>
+              <a:t>進める</a:t>
+            </a:r>
+            <a:endParaRPr lang="en-US" altLang="ja-JP" dirty="0" smtClean="0"/>
+          </a:p>
+          <a:p>
+            <a:endParaRPr kumimoji="1" lang="en-US" altLang="ja-JP" dirty="0"/>
+          </a:p>
+          <a:p>
+            <a:r>
+              <a:rPr kumimoji="1" lang="en-US" altLang="ja-JP" smtClean="0"/>
+              <a:t>PHP</a:t>
+            </a:r>
+            <a:r>
+              <a:rPr kumimoji="1" lang="ja-JP" altLang="en-US" smtClean="0"/>
+              <a:t>など</a:t>
+            </a:r>
+            <a:r>
+              <a:rPr kumimoji="1" lang="ja-JP" altLang="en-US" dirty="0" smtClean="0"/>
+              <a:t>を実行する際はサーバ再度で一度実行して結果を返す（？）</a:t>
             </a:r>
             <a:endParaRPr kumimoji="1" lang="ja-JP" altLang="en-US" dirty="0"/>
           </a:p>
@@ -3918,13 +5252,20 @@
   <p:clrMapOvr>
     <a:masterClrMapping/>
   </p:clrMapOvr>
+  <p:timing>
+    <p:tnLst>
+      <p:par>
+        <p:cTn id="1" dur="indefinite" restart="never" nodeType="tmRoot"/>
+      </p:par>
+    </p:tnLst>
+  </p:timing>
 </p:sld>
 </file>
 
 <file path=ppt/theme/theme1.xml><?xml version="1.0" encoding="utf-8"?>
 <a:theme xmlns:a="http://schemas.openxmlformats.org/drawingml/2006/main" name="Office テーマ">
   <a:themeElements>
-    <a:clrScheme name="Office">
+    <a:clrScheme name="Office テーマ">
       <a:dk1>
         <a:sysClr val="windowText" lastClr="000000"/>
       </a:dk1>
@@ -3962,9 +5303,9 @@
         <a:srgbClr val="954F72"/>
       </a:folHlink>
     </a:clrScheme>
-    <a:fontScheme name="Office">
+    <a:fontScheme name="Office テーマ">
       <a:majorFont>
-        <a:latin typeface="游ゴシック Light" panose="020F0302020204030204"/>
+        <a:latin typeface="Calibri Light" panose="020F0302020204030204"/>
         <a:ea typeface=""/>
         <a:cs typeface=""/>
         <a:font script="Jpan" typeface="游ゴシック Light"/>
@@ -3999,7 +5340,7 @@
         <a:font script="Geor" typeface="Sylfaen"/>
       </a:majorFont>
       <a:minorFont>
-        <a:latin typeface="游ゴシック" panose="020F0502020204030204"/>
+        <a:latin typeface="Calibri" panose="020F0502020204030204"/>
         <a:ea typeface=""/>
         <a:cs typeface=""/>
         <a:font script="Jpan" typeface="游ゴシック"/>
@@ -4034,7 +5375,7 @@
         <a:font script="Geor" typeface="Sylfaen"/>
       </a:minorFont>
     </a:fontScheme>
-    <a:fmtScheme name="Office">
+    <a:fmtScheme name="Office テーマ">
       <a:fillStyleLst>
         <a:solidFill>
           <a:schemeClr val="phClr"/>
